--- a/1장_자바.pptx
+++ b/1장_자바.pptx
@@ -5,28 +5,41 @@
     <p:sldMasterId id="2147483684" r:id="rId1"/>
   </p:sldMasterIdLst>
   <p:sldIdLst>
-    <p:sldId id="256" r:id="rId2"/>
+    <p:sldId id="258" r:id="rId2"/>
     <p:sldId id="257" r:id="rId3"/>
+    <p:sldId id="259" r:id="rId4"/>
+    <p:sldId id="260" r:id="rId5"/>
+    <p:sldId id="269" r:id="rId6"/>
+    <p:sldId id="264" r:id="rId7"/>
+    <p:sldId id="265" r:id="rId8"/>
+    <p:sldId id="268" r:id="rId9"/>
+    <p:sldId id="266" r:id="rId10"/>
+    <p:sldId id="267" r:id="rId11"/>
   </p:sldIdLst>
   <p:sldSz cx="9144000" cy="6858000" type="screen4x3"/>
   <p:notesSz cx="6858000" cy="9144000"/>
   <p:embeddedFontLst>
     <p:embeddedFont>
+      <p:font typeface="맑은 고딕" panose="020B0503020000020004" pitchFamily="50" charset="-127"/>
+      <p:regular r:id="rId12"/>
+      <p:bold r:id="rId13"/>
+    </p:embeddedFont>
+    <p:embeddedFont>
       <p:font typeface="Calibri" panose="020F0502020204030204" pitchFamily="34" charset="0"/>
-      <p:regular r:id="rId4"/>
-      <p:bold r:id="rId5"/>
-      <p:italic r:id="rId6"/>
-      <p:boldItalic r:id="rId7"/>
+      <p:regular r:id="rId14"/>
+      <p:bold r:id="rId15"/>
+      <p:italic r:id="rId16"/>
+      <p:boldItalic r:id="rId17"/>
     </p:embeddedFont>
     <p:embeddedFont>
       <p:font typeface="Calibri Light" panose="020F0302020204030204" pitchFamily="34" charset="0"/>
-      <p:regular r:id="rId8"/>
-      <p:italic r:id="rId9"/>
+      <p:regular r:id="rId18"/>
+      <p:italic r:id="rId19"/>
     </p:embeddedFont>
     <p:embeddedFont>
-      <p:font typeface="맑은 고딕" panose="020B0503020000020004" pitchFamily="50" charset="-127"/>
-      <p:regular r:id="rId10"/>
-      <p:bold r:id="rId11"/>
+      <p:font typeface="나눔바른고딕" panose="020B0603020101020101" pitchFamily="50" charset="-127"/>
+      <p:regular r:id="rId20"/>
+      <p:bold r:id="rId21"/>
     </p:embeddedFont>
   </p:embeddedFontLst>
   <p:defaultTextStyle>
@@ -144,7 +157,7 @@
 </file>
 
 <file path=ppt/slideLayouts/slideLayout1.xml><?xml version="1.0" encoding="utf-8"?>
-<p:sldLayout xmlns:a="http://schemas.openxmlformats.org/drawingml/2006/main" xmlns:r="http://schemas.openxmlformats.org/officeDocument/2006/relationships" xmlns:p="http://schemas.openxmlformats.org/presentationml/2006/main" type="title" preserve="1">
+<p:sldLayout xmlns:a="http://schemas.openxmlformats.org/drawingml/2006/main" xmlns:r="http://schemas.openxmlformats.org/officeDocument/2006/relationships" xmlns:p="http://schemas.openxmlformats.org/presentationml/2006/main" preserve="1" userDrawn="1">
   <p:cSld name="제목 슬라이드">
     <p:spTree>
       <p:nvGrpSpPr>
@@ -160,99 +173,68 @@
           <a:chExt cx="0" cy="0"/>
         </a:xfrm>
       </p:grpSpPr>
-      <p:sp>
-        <p:nvSpPr>
-          <p:cNvPr id="2" name="Title 1"/>
-          <p:cNvSpPr>
-            <a:spLocks noGrp="1"/>
-          </p:cNvSpPr>
-          <p:nvPr>
-            <p:ph type="ctrTitle"/>
-          </p:nvPr>
-        </p:nvSpPr>
+      <p:pic>
+        <p:nvPicPr>
+          <p:cNvPr id="7" name="그림 6"/>
+          <p:cNvPicPr>
+            <a:picLocks noChangeAspect="1"/>
+          </p:cNvPicPr>
+          <p:nvPr userDrawn="1"/>
+        </p:nvPicPr>
+        <p:blipFill>
+          <a:blip r:embed="rId2">
+            <a:extLst>
+              <a:ext uri="{28A0092B-C50C-407E-A947-70E740481C1C}">
+                <a14:useLocalDpi xmlns:a14="http://schemas.microsoft.com/office/drawing/2010/main" val="0"/>
+              </a:ext>
+            </a:extLst>
+          </a:blip>
+          <a:stretch>
+            <a:fillRect/>
+          </a:stretch>
+        </p:blipFill>
         <p:spPr>
           <a:xfrm>
-            <a:off x="685800" y="1122363"/>
+            <a:off x="0" y="0"/>
+            <a:ext cx="9144000" cy="6858000"/>
+          </a:xfrm>
+          <a:prstGeom prst="rect">
+            <a:avLst/>
+          </a:prstGeom>
+        </p:spPr>
+      </p:pic>
+      <p:sp>
+        <p:nvSpPr>
+          <p:cNvPr id="2" name="Title 1"/>
+          <p:cNvSpPr>
+            <a:spLocks noGrp="1"/>
+          </p:cNvSpPr>
+          <p:nvPr>
+            <p:ph type="ctrTitle"/>
+          </p:nvPr>
+        </p:nvSpPr>
+        <p:spPr>
+          <a:xfrm>
+            <a:off x="685800" y="2295360"/>
             <a:ext cx="7772400" cy="2387600"/>
           </a:xfrm>
         </p:spPr>
         <p:txBody>
-          <a:bodyPr anchor="b"/>
+          <a:bodyPr anchor="ctr" anchorCtr="0">
+            <a:noAutofit/>
+          </a:bodyPr>
           <a:lstStyle>
             <a:lvl1pPr algn="ctr">
-              <a:defRPr sz="6000"/>
+              <a:defRPr sz="10000">
+                <a:solidFill>
+                  <a:srgbClr val="F2F45F"/>
+                </a:solidFill>
+                <a:latin typeface="나눔바른고딕" panose="020B0603020101020101" pitchFamily="50" charset="-127"/>
+                <a:ea typeface="나눔바른고딕" panose="020B0603020101020101" pitchFamily="50" charset="-127"/>
+              </a:defRPr>
             </a:lvl1pPr>
           </a:lstStyle>
           <a:p>
-            <a:r>
-              <a:rPr lang="ko-KR" altLang="en-US" smtClean="0"/>
-              <a:t>마스터 제목 스타일 편집</a:t>
-            </a:r>
-            <a:endParaRPr lang="en-US" dirty="0"/>
-          </a:p>
-        </p:txBody>
-      </p:sp>
-      <p:sp>
-        <p:nvSpPr>
-          <p:cNvPr id="3" name="Subtitle 2"/>
-          <p:cNvSpPr>
-            <a:spLocks noGrp="1"/>
-          </p:cNvSpPr>
-          <p:nvPr>
-            <p:ph type="subTitle" idx="1"/>
-          </p:nvPr>
-        </p:nvSpPr>
-        <p:spPr>
-          <a:xfrm>
-            <a:off x="1143000" y="3602038"/>
-            <a:ext cx="6858000" cy="1655762"/>
-          </a:xfrm>
-        </p:spPr>
-        <p:txBody>
-          <a:bodyPr/>
-          <a:lstStyle>
-            <a:lvl1pPr marL="0" indent="0" algn="ctr">
-              <a:buNone/>
-              <a:defRPr sz="2400"/>
-            </a:lvl1pPr>
-            <a:lvl2pPr marL="457200" indent="0" algn="ctr">
-              <a:buNone/>
-              <a:defRPr sz="2000"/>
-            </a:lvl2pPr>
-            <a:lvl3pPr marL="914400" indent="0" algn="ctr">
-              <a:buNone/>
-              <a:defRPr sz="1800"/>
-            </a:lvl3pPr>
-            <a:lvl4pPr marL="1371600" indent="0" algn="ctr">
-              <a:buNone/>
-              <a:defRPr sz="1600"/>
-            </a:lvl4pPr>
-            <a:lvl5pPr marL="1828800" indent="0" algn="ctr">
-              <a:buNone/>
-              <a:defRPr sz="1600"/>
-            </a:lvl5pPr>
-            <a:lvl6pPr marL="2286000" indent="0" algn="ctr">
-              <a:buNone/>
-              <a:defRPr sz="1600"/>
-            </a:lvl6pPr>
-            <a:lvl7pPr marL="2743200" indent="0" algn="ctr">
-              <a:buNone/>
-              <a:defRPr sz="1600"/>
-            </a:lvl7pPr>
-            <a:lvl8pPr marL="3200400" indent="0" algn="ctr">
-              <a:buNone/>
-              <a:defRPr sz="1600"/>
-            </a:lvl8pPr>
-            <a:lvl9pPr marL="3657600" indent="0" algn="ctr">
-              <a:buNone/>
-              <a:defRPr sz="1600"/>
-            </a:lvl9pPr>
-          </a:lstStyle>
-          <a:p>
-            <a:r>
-              <a:rPr lang="ko-KR" altLang="en-US" smtClean="0"/>
-              <a:t>마스터 부제목 스타일 편집</a:t>
-            </a:r>
             <a:endParaRPr lang="en-US" dirty="0"/>
           </a:p>
         </p:txBody>
@@ -274,7 +256,7 @@
           <a:p>
             <a:fld id="{9A1CD55B-6AB5-495B-AC33-E5360330A3EE}" type="datetimeFigureOut">
               <a:rPr lang="ko-KR" altLang="en-US" smtClean="0"/>
-              <a:t>2016-04-08</a:t>
+              <a:t>2016-04-12</a:t>
             </a:fld>
             <a:endParaRPr lang="ko-KR" altLang="en-US"/>
           </a:p>
@@ -451,7 +433,7 @@
           <a:p>
             <a:fld id="{9A1CD55B-6AB5-495B-AC33-E5360330A3EE}" type="datetimeFigureOut">
               <a:rPr lang="ko-KR" altLang="en-US" smtClean="0"/>
-              <a:t>2016-04-08</a:t>
+              <a:t>2016-04-12</a:t>
             </a:fld>
             <a:endParaRPr lang="ko-KR" altLang="en-US"/>
           </a:p>
@@ -631,7 +613,7 @@
           <a:p>
             <a:fld id="{9A1CD55B-6AB5-495B-AC33-E5360330A3EE}" type="datetimeFigureOut">
               <a:rPr lang="ko-KR" altLang="en-US" smtClean="0"/>
-              <a:t>2016-04-08</a:t>
+              <a:t>2016-04-12</a:t>
             </a:fld>
             <a:endParaRPr lang="ko-KR" altLang="en-US"/>
           </a:p>
@@ -709,6 +691,36 @@
           <a:chExt cx="0" cy="0"/>
         </a:xfrm>
       </p:grpSpPr>
+      <p:pic>
+        <p:nvPicPr>
+          <p:cNvPr id="7" name="그림 6"/>
+          <p:cNvPicPr>
+            <a:picLocks noChangeAspect="1"/>
+          </p:cNvPicPr>
+          <p:nvPr userDrawn="1"/>
+        </p:nvPicPr>
+        <p:blipFill>
+          <a:blip r:embed="rId2">
+            <a:extLst>
+              <a:ext uri="{28A0092B-C50C-407E-A947-70E740481C1C}">
+                <a14:useLocalDpi xmlns:a14="http://schemas.microsoft.com/office/drawing/2010/main" val="0"/>
+              </a:ext>
+            </a:extLst>
+          </a:blip>
+          <a:stretch>
+            <a:fillRect/>
+          </a:stretch>
+        </p:blipFill>
+        <p:spPr>
+          <a:xfrm>
+            <a:off x="0" y="0"/>
+            <a:ext cx="9144000" cy="6858000"/>
+          </a:xfrm>
+          <a:prstGeom prst="rect">
+            <a:avLst/>
+          </a:prstGeom>
+        </p:spPr>
+      </p:pic>
       <p:sp>
         <p:nvSpPr>
           <p:cNvPr id="2" name="Title 1"/>
@@ -717,6 +729,150 @@
           </p:cNvSpPr>
           <p:nvPr>
             <p:ph type="title"/>
+          </p:nvPr>
+        </p:nvSpPr>
+        <p:spPr>
+          <a:xfrm>
+            <a:off x="-1549068" y="235116"/>
+            <a:ext cx="6048876" cy="1235074"/>
+          </a:xfrm>
+        </p:spPr>
+        <p:txBody>
+          <a:bodyPr>
+            <a:normAutofit/>
+          </a:bodyPr>
+          <a:lstStyle>
+            <a:lvl1pPr algn="ctr">
+              <a:defRPr sz="3200">
+                <a:solidFill>
+                  <a:srgbClr val="F2F45F"/>
+                </a:solidFill>
+                <a:latin typeface="나눔바른고딕" panose="020B0603020101020101" pitchFamily="50" charset="-127"/>
+                <a:ea typeface="나눔바른고딕" panose="020B0603020101020101" pitchFamily="50" charset="-127"/>
+              </a:defRPr>
+            </a:lvl1pPr>
+          </a:lstStyle>
+          <a:p>
+            <a:endParaRPr lang="en-US" dirty="0"/>
+          </a:p>
+        </p:txBody>
+      </p:sp>
+      <p:sp>
+        <p:nvSpPr>
+          <p:cNvPr id="3" name="Content Placeholder 2"/>
+          <p:cNvSpPr>
+            <a:spLocks noGrp="1"/>
+          </p:cNvSpPr>
+          <p:nvPr>
+            <p:ph idx="1"/>
+          </p:nvPr>
+        </p:nvSpPr>
+        <p:spPr>
+          <a:xfrm>
+            <a:off x="628650" y="1470190"/>
+            <a:ext cx="7886700" cy="4706773"/>
+          </a:xfrm>
+        </p:spPr>
+        <p:txBody>
+          <a:bodyPr/>
+          <a:lstStyle>
+            <a:lvl1pPr marL="0" indent="0">
+              <a:buNone/>
+              <a:defRPr>
+                <a:solidFill>
+                  <a:srgbClr val="F2F45F"/>
+                </a:solidFill>
+                <a:latin typeface="나눔바른고딕" panose="020B0603020101020101" pitchFamily="50" charset="-127"/>
+                <a:ea typeface="나눔바른고딕" panose="020B0603020101020101" pitchFamily="50" charset="-127"/>
+              </a:defRPr>
+            </a:lvl1pPr>
+            <a:lvl2pPr marL="457200" indent="0">
+              <a:buNone/>
+              <a:defRPr>
+                <a:solidFill>
+                  <a:srgbClr val="F2F45F"/>
+                </a:solidFill>
+                <a:latin typeface="나눔바른고딕" panose="020B0603020101020101" pitchFamily="50" charset="-127"/>
+                <a:ea typeface="나눔바른고딕" panose="020B0603020101020101" pitchFamily="50" charset="-127"/>
+              </a:defRPr>
+            </a:lvl2pPr>
+            <a:lvl3pPr marL="914400" indent="0">
+              <a:buNone/>
+              <a:defRPr>
+                <a:solidFill>
+                  <a:srgbClr val="F2F45F"/>
+                </a:solidFill>
+                <a:latin typeface="나눔바른고딕" panose="020B0603020101020101" pitchFamily="50" charset="-127"/>
+                <a:ea typeface="나눔바른고딕" panose="020B0603020101020101" pitchFamily="50" charset="-127"/>
+              </a:defRPr>
+            </a:lvl3pPr>
+            <a:lvl4pPr marL="1371600" indent="0">
+              <a:buNone/>
+              <a:defRPr>
+                <a:solidFill>
+                  <a:srgbClr val="F2F45F"/>
+                </a:solidFill>
+                <a:latin typeface="나눔바른고딕" panose="020B0603020101020101" pitchFamily="50" charset="-127"/>
+                <a:ea typeface="나눔바른고딕" panose="020B0603020101020101" pitchFamily="50" charset="-127"/>
+              </a:defRPr>
+            </a:lvl4pPr>
+            <a:lvl5pPr marL="1828800" indent="0">
+              <a:buNone/>
+              <a:defRPr>
+                <a:solidFill>
+                  <a:srgbClr val="F2F45F"/>
+                </a:solidFill>
+                <a:latin typeface="나눔바른고딕" panose="020B0603020101020101" pitchFamily="50" charset="-127"/>
+                <a:ea typeface="나눔바른고딕" panose="020B0603020101020101" pitchFamily="50" charset="-127"/>
+              </a:defRPr>
+            </a:lvl5pPr>
+          </a:lstStyle>
+          <a:p>
+            <a:pPr lvl="0"/>
+            <a:r>
+              <a:rPr lang="ko-KR" altLang="en-US" dirty="0" smtClean="0"/>
+              <a:t>마스터 텍스트 스타일을 편집합니다</a:t>
+            </a:r>
+          </a:p>
+          <a:p>
+            <a:pPr lvl="1"/>
+            <a:r>
+              <a:rPr lang="ko-KR" altLang="en-US" dirty="0" smtClean="0"/>
+              <a:t>둘째 수준</a:t>
+            </a:r>
+          </a:p>
+          <a:p>
+            <a:pPr lvl="2"/>
+            <a:r>
+              <a:rPr lang="ko-KR" altLang="en-US" dirty="0" smtClean="0"/>
+              <a:t>셋째 수준</a:t>
+            </a:r>
+          </a:p>
+          <a:p>
+            <a:pPr lvl="3"/>
+            <a:r>
+              <a:rPr lang="ko-KR" altLang="en-US" dirty="0" smtClean="0"/>
+              <a:t>넷째 수준</a:t>
+            </a:r>
+          </a:p>
+          <a:p>
+            <a:pPr lvl="4"/>
+            <a:r>
+              <a:rPr lang="ko-KR" altLang="en-US" dirty="0" smtClean="0"/>
+              <a:t>다섯째 수준</a:t>
+            </a:r>
+            <a:endParaRPr lang="en-US" dirty="0"/>
+          </a:p>
+        </p:txBody>
+      </p:sp>
+      <p:sp>
+        <p:nvSpPr>
+          <p:cNvPr id="4" name="Date Placeholder 3"/>
+          <p:cNvSpPr>
+            <a:spLocks noGrp="1"/>
+          </p:cNvSpPr>
+          <p:nvPr>
+            <p:ph type="dt" sz="half" idx="10"/>
           </p:nvPr>
         </p:nvSpPr>
         <p:spPr/>
@@ -724,84 +880,9 @@
           <a:bodyPr/>
           <a:lstStyle/>
           <a:p>
-            <a:r>
-              <a:rPr lang="ko-KR" altLang="en-US" smtClean="0"/>
-              <a:t>마스터 제목 스타일 편집</a:t>
-            </a:r>
-            <a:endParaRPr lang="en-US" dirty="0"/>
-          </a:p>
-        </p:txBody>
-      </p:sp>
-      <p:sp>
-        <p:nvSpPr>
-          <p:cNvPr id="3" name="Content Placeholder 2"/>
-          <p:cNvSpPr>
-            <a:spLocks noGrp="1"/>
-          </p:cNvSpPr>
-          <p:nvPr>
-            <p:ph idx="1"/>
-          </p:nvPr>
-        </p:nvSpPr>
-        <p:spPr/>
-        <p:txBody>
-          <a:bodyPr/>
-          <a:lstStyle/>
-          <a:p>
-            <a:pPr lvl="0"/>
-            <a:r>
-              <a:rPr lang="ko-KR" altLang="en-US" smtClean="0"/>
-              <a:t>마스터 텍스트 스타일을 편집합니다</a:t>
-            </a:r>
-          </a:p>
-          <a:p>
-            <a:pPr lvl="1"/>
-            <a:r>
-              <a:rPr lang="ko-KR" altLang="en-US" smtClean="0"/>
-              <a:t>둘째 수준</a:t>
-            </a:r>
-          </a:p>
-          <a:p>
-            <a:pPr lvl="2"/>
-            <a:r>
-              <a:rPr lang="ko-KR" altLang="en-US" smtClean="0"/>
-              <a:t>셋째 수준</a:t>
-            </a:r>
-          </a:p>
-          <a:p>
-            <a:pPr lvl="3"/>
-            <a:r>
-              <a:rPr lang="ko-KR" altLang="en-US" smtClean="0"/>
-              <a:t>넷째 수준</a:t>
-            </a:r>
-          </a:p>
-          <a:p>
-            <a:pPr lvl="4"/>
-            <a:r>
-              <a:rPr lang="ko-KR" altLang="en-US" smtClean="0"/>
-              <a:t>다섯째 수준</a:t>
-            </a:r>
-            <a:endParaRPr lang="en-US" dirty="0"/>
-          </a:p>
-        </p:txBody>
-      </p:sp>
-      <p:sp>
-        <p:nvSpPr>
-          <p:cNvPr id="4" name="Date Placeholder 3"/>
-          <p:cNvSpPr>
-            <a:spLocks noGrp="1"/>
-          </p:cNvSpPr>
-          <p:nvPr>
-            <p:ph type="dt" sz="half" idx="10"/>
-          </p:nvPr>
-        </p:nvSpPr>
-        <p:spPr/>
-        <p:txBody>
-          <a:bodyPr/>
-          <a:lstStyle/>
-          <a:p>
             <a:fld id="{9A1CD55B-6AB5-495B-AC33-E5360330A3EE}" type="datetimeFigureOut">
               <a:rPr lang="ko-KR" altLang="en-US" smtClean="0"/>
-              <a:t>2016-04-08</a:t>
+              <a:t>2016-04-12</a:t>
             </a:fld>
             <a:endParaRPr lang="ko-KR" altLang="en-US"/>
           </a:p>
@@ -1052,7 +1133,7 @@
           <a:p>
             <a:fld id="{9A1CD55B-6AB5-495B-AC33-E5360330A3EE}" type="datetimeFigureOut">
               <a:rPr lang="ko-KR" altLang="en-US" smtClean="0"/>
-              <a:t>2016-04-08</a:t>
+              <a:t>2016-04-12</a:t>
             </a:fld>
             <a:endParaRPr lang="ko-KR" altLang="en-US"/>
           </a:p>
@@ -1291,7 +1372,7 @@
           <a:p>
             <a:fld id="{9A1CD55B-6AB5-495B-AC33-E5360330A3EE}" type="datetimeFigureOut">
               <a:rPr lang="ko-KR" altLang="en-US" smtClean="0"/>
-              <a:t>2016-04-08</a:t>
+              <a:t>2016-04-12</a:t>
             </a:fld>
             <a:endParaRPr lang="ko-KR" altLang="en-US"/>
           </a:p>
@@ -1665,7 +1746,7 @@
           <a:p>
             <a:fld id="{9A1CD55B-6AB5-495B-AC33-E5360330A3EE}" type="datetimeFigureOut">
               <a:rPr lang="ko-KR" altLang="en-US" smtClean="0"/>
-              <a:t>2016-04-08</a:t>
+              <a:t>2016-04-12</a:t>
             </a:fld>
             <a:endParaRPr lang="ko-KR" altLang="en-US"/>
           </a:p>
@@ -1790,7 +1871,7 @@
           <a:p>
             <a:fld id="{9A1CD55B-6AB5-495B-AC33-E5360330A3EE}" type="datetimeFigureOut">
               <a:rPr lang="ko-KR" altLang="en-US" smtClean="0"/>
-              <a:t>2016-04-08</a:t>
+              <a:t>2016-04-12</a:t>
             </a:fld>
             <a:endParaRPr lang="ko-KR" altLang="en-US"/>
           </a:p>
@@ -1885,7 +1966,7 @@
           <a:p>
             <a:fld id="{9A1CD55B-6AB5-495B-AC33-E5360330A3EE}" type="datetimeFigureOut">
               <a:rPr lang="ko-KR" altLang="en-US" smtClean="0"/>
-              <a:t>2016-04-08</a:t>
+              <a:t>2016-04-12</a:t>
             </a:fld>
             <a:endParaRPr lang="ko-KR" altLang="en-US"/>
           </a:p>
@@ -2162,7 +2243,7 @@
           <a:p>
             <a:fld id="{9A1CD55B-6AB5-495B-AC33-E5360330A3EE}" type="datetimeFigureOut">
               <a:rPr lang="ko-KR" altLang="en-US" smtClean="0"/>
-              <a:t>2016-04-08</a:t>
+              <a:t>2016-04-12</a:t>
             </a:fld>
             <a:endParaRPr lang="ko-KR" altLang="en-US"/>
           </a:p>
@@ -2419,7 +2500,7 @@
           <a:p>
             <a:fld id="{9A1CD55B-6AB5-495B-AC33-E5360330A3EE}" type="datetimeFigureOut">
               <a:rPr lang="ko-KR" altLang="en-US" smtClean="0"/>
-              <a:t>2016-04-08</a:t>
+              <a:t>2016-04-12</a:t>
             </a:fld>
             <a:endParaRPr lang="ko-KR" altLang="en-US"/>
           </a:p>
@@ -2632,7 +2713,7 @@
           <a:p>
             <a:fld id="{9A1CD55B-6AB5-495B-AC33-E5360330A3EE}" type="datetimeFigureOut">
               <a:rPr lang="ko-KR" altLang="en-US" smtClean="0"/>
-              <a:t>2016-04-08</a:t>
+              <a:t>2016-04-12</a:t>
             </a:fld>
             <a:endParaRPr lang="ko-KR" altLang="en-US"/>
           </a:p>
@@ -3046,7 +3127,7 @@
       </p:grpSpPr>
       <p:sp>
         <p:nvSpPr>
-          <p:cNvPr id="2" name="제목 1"/>
+          <p:cNvPr id="4" name="제목 3"/>
           <p:cNvSpPr>
             <a:spLocks noGrp="1"/>
           </p:cNvSpPr>
@@ -3059,32 +3140,119 @@
           <a:bodyPr/>
           <a:lstStyle/>
           <a:p>
+            <a:r>
+              <a:rPr lang="en-US" altLang="ko-KR" dirty="0" smtClean="0"/>
+              <a:t>JAVA</a:t>
+            </a:r>
             <a:endParaRPr lang="ko-KR" altLang="en-US" dirty="0"/>
           </a:p>
         </p:txBody>
       </p:sp>
-      <p:sp>
-        <p:nvSpPr>
-          <p:cNvPr id="3" name="부제목 2"/>
-          <p:cNvSpPr>
-            <a:spLocks noGrp="1"/>
-          </p:cNvSpPr>
-          <p:nvPr>
-            <p:ph type="subTitle" idx="1"/>
+    </p:spTree>
+    <p:extLst>
+      <p:ext uri="{BB962C8B-B14F-4D97-AF65-F5344CB8AC3E}">
+        <p14:creationId xmlns:p14="http://schemas.microsoft.com/office/powerpoint/2010/main" val="2321512242"/>
+      </p:ext>
+    </p:extLst>
+  </p:cSld>
+  <p:clrMapOvr>
+    <a:masterClrMapping/>
+  </p:clrMapOvr>
+  <p:timing>
+    <p:tnLst>
+      <p:par>
+        <p:cTn id="1" dur="indefinite" restart="never" nodeType="tmRoot"/>
+      </p:par>
+    </p:tnLst>
+  </p:timing>
+</p:sld>
+</file>
+
+<file path=ppt/slides/slide10.xml><?xml version="1.0" encoding="utf-8"?>
+<p:sld xmlns:a="http://schemas.openxmlformats.org/drawingml/2006/main" xmlns:r="http://schemas.openxmlformats.org/officeDocument/2006/relationships" xmlns:p="http://schemas.openxmlformats.org/presentationml/2006/main">
+  <p:cSld>
+    <p:bg>
+      <p:bgPr>
+        <a:noFill/>
+        <a:effectLst/>
+      </p:bgPr>
+    </p:bg>
+    <p:spTree>
+      <p:nvGrpSpPr>
+        <p:cNvPr id="1" name=""/>
+        <p:cNvGrpSpPr/>
+        <p:nvPr/>
+      </p:nvGrpSpPr>
+      <p:grpSpPr>
+        <a:xfrm>
+          <a:off x="0" y="0"/>
+          <a:ext cx="0" cy="0"/>
+          <a:chOff x="0" y="0"/>
+          <a:chExt cx="0" cy="0"/>
+        </a:xfrm>
+      </p:grpSpPr>
+      <p:sp>
+        <p:nvSpPr>
+          <p:cNvPr id="2" name="제목 1"/>
+          <p:cNvSpPr>
+            <a:spLocks noGrp="1"/>
+          </p:cNvSpPr>
+          <p:nvPr>
+            <p:ph type="title"/>
           </p:nvPr>
         </p:nvSpPr>
         <p:spPr/>
         <p:txBody>
-          <a:bodyPr/>
+          <a:bodyPr>
+            <a:normAutofit/>
+          </a:bodyPr>
           <a:lstStyle/>
           <a:p>
-            <a:endParaRPr lang="ko-KR" altLang="en-US"/>
+            <a:r>
+              <a:rPr lang="ko-KR" altLang="en-US" sz="3200" dirty="0" smtClean="0"/>
+              <a:t>숙제</a:t>
+            </a:r>
+            <a:endParaRPr lang="ko-KR" altLang="en-US" sz="3200" dirty="0"/>
+          </a:p>
+        </p:txBody>
+      </p:sp>
+      <p:sp>
+        <p:nvSpPr>
+          <p:cNvPr id="3" name="내용 개체 틀 2"/>
+          <p:cNvSpPr>
+            <a:spLocks noGrp="1"/>
+          </p:cNvSpPr>
+          <p:nvPr>
+            <p:ph idx="1"/>
+          </p:nvPr>
+        </p:nvSpPr>
+        <p:spPr>
+          <a:xfrm>
+            <a:off x="628650" y="1511542"/>
+            <a:ext cx="7886700" cy="4706773"/>
+          </a:xfrm>
+        </p:spPr>
+        <p:txBody>
+          <a:bodyPr anchor="ctr">
+            <a:noAutofit/>
+          </a:bodyPr>
+          <a:lstStyle/>
+          <a:p>
+            <a:r>
+              <a:rPr lang="ko-KR" altLang="en-US" sz="4400" b="1" dirty="0" smtClean="0"/>
+              <a:t>   오늘은 없다</a:t>
+            </a:r>
+            <a:r>
+              <a:rPr lang="en-US" altLang="ko-KR" sz="4400" b="1" dirty="0" smtClean="0"/>
+              <a:t>.</a:t>
+            </a:r>
+            <a:endParaRPr lang="en-US" altLang="ko-KR" sz="4400" b="1" dirty="0"/>
           </a:p>
         </p:txBody>
       </p:sp>
       <p:pic>
         <p:nvPicPr>
-          <p:cNvPr id="4" name="그림 3"/>
+          <p:cNvPr id="5" name="그림 4"/>
           <p:cNvPicPr>
             <a:picLocks noChangeAspect="1"/>
           </p:cNvPicPr>
@@ -3104,19 +3272,978 @@
         </p:blipFill>
         <p:spPr>
           <a:xfrm>
-            <a:off x="0" y="0"/>
-            <a:ext cx="9144000" cy="6858000"/>
+            <a:off x="4275953" y="1470190"/>
+            <a:ext cx="4239397" cy="4748125"/>
           </a:xfrm>
           <a:prstGeom prst="rect">
             <a:avLst/>
           </a:prstGeom>
         </p:spPr>
       </p:pic>
+      <p:sp>
+        <p:nvSpPr>
+          <p:cNvPr id="6" name="내용 개체 틀 2"/>
+          <p:cNvSpPr txBox="1">
+            <a:spLocks/>
+          </p:cNvSpPr>
+          <p:nvPr/>
+        </p:nvSpPr>
+        <p:spPr>
+          <a:xfrm>
+            <a:off x="628650" y="1470190"/>
+            <a:ext cx="7886700" cy="4706773"/>
+          </a:xfrm>
+          <a:prstGeom prst="rect">
+            <a:avLst/>
+          </a:prstGeom>
+        </p:spPr>
+        <p:txBody>
+          <a:bodyPr vert="horz" lIns="91440" tIns="45720" rIns="91440" bIns="45720" rtlCol="0" anchor="ctr">
+            <a:noAutofit/>
+          </a:bodyPr>
+          <a:lstStyle>
+            <a:lvl1pPr marL="0" indent="0" algn="l" defTabSz="914400" rtl="0" eaLnBrk="1" latinLnBrk="1" hangingPunct="1">
+              <a:lnSpc>
+                <a:spcPct val="90000"/>
+              </a:lnSpc>
+              <a:spcBef>
+                <a:spcPts val="1000"/>
+              </a:spcBef>
+              <a:buFont typeface="Arial" panose="020B0604020202020204" pitchFamily="34" charset="0"/>
+              <a:buNone/>
+              <a:defRPr sz="2800" kern="1200">
+                <a:solidFill>
+                  <a:srgbClr val="F2F45F"/>
+                </a:solidFill>
+                <a:latin typeface="나눔바른고딕" panose="020B0603020101020101" pitchFamily="50" charset="-127"/>
+                <a:ea typeface="나눔바른고딕" panose="020B0603020101020101" pitchFamily="50" charset="-127"/>
+                <a:cs typeface="+mn-cs"/>
+              </a:defRPr>
+            </a:lvl1pPr>
+            <a:lvl2pPr marL="457200" indent="0" algn="l" defTabSz="914400" rtl="0" eaLnBrk="1" latinLnBrk="1" hangingPunct="1">
+              <a:lnSpc>
+                <a:spcPct val="90000"/>
+              </a:lnSpc>
+              <a:spcBef>
+                <a:spcPts val="500"/>
+              </a:spcBef>
+              <a:buFont typeface="Arial" panose="020B0604020202020204" pitchFamily="34" charset="0"/>
+              <a:buNone/>
+              <a:defRPr sz="2400" kern="1200">
+                <a:solidFill>
+                  <a:srgbClr val="F2F45F"/>
+                </a:solidFill>
+                <a:latin typeface="나눔바른고딕" panose="020B0603020101020101" pitchFamily="50" charset="-127"/>
+                <a:ea typeface="나눔바른고딕" panose="020B0603020101020101" pitchFamily="50" charset="-127"/>
+                <a:cs typeface="+mn-cs"/>
+              </a:defRPr>
+            </a:lvl2pPr>
+            <a:lvl3pPr marL="914400" indent="0" algn="l" defTabSz="914400" rtl="0" eaLnBrk="1" latinLnBrk="1" hangingPunct="1">
+              <a:lnSpc>
+                <a:spcPct val="90000"/>
+              </a:lnSpc>
+              <a:spcBef>
+                <a:spcPts val="500"/>
+              </a:spcBef>
+              <a:buFont typeface="Arial" panose="020B0604020202020204" pitchFamily="34" charset="0"/>
+              <a:buNone/>
+              <a:defRPr sz="2000" kern="1200">
+                <a:solidFill>
+                  <a:srgbClr val="F2F45F"/>
+                </a:solidFill>
+                <a:latin typeface="나눔바른고딕" panose="020B0603020101020101" pitchFamily="50" charset="-127"/>
+                <a:ea typeface="나눔바른고딕" panose="020B0603020101020101" pitchFamily="50" charset="-127"/>
+                <a:cs typeface="+mn-cs"/>
+              </a:defRPr>
+            </a:lvl3pPr>
+            <a:lvl4pPr marL="1371600" indent="0" algn="l" defTabSz="914400" rtl="0" eaLnBrk="1" latinLnBrk="1" hangingPunct="1">
+              <a:lnSpc>
+                <a:spcPct val="90000"/>
+              </a:lnSpc>
+              <a:spcBef>
+                <a:spcPts val="500"/>
+              </a:spcBef>
+              <a:buFont typeface="Arial" panose="020B0604020202020204" pitchFamily="34" charset="0"/>
+              <a:buNone/>
+              <a:defRPr sz="1800" kern="1200">
+                <a:solidFill>
+                  <a:srgbClr val="F2F45F"/>
+                </a:solidFill>
+                <a:latin typeface="나눔바른고딕" panose="020B0603020101020101" pitchFamily="50" charset="-127"/>
+                <a:ea typeface="나눔바른고딕" panose="020B0603020101020101" pitchFamily="50" charset="-127"/>
+                <a:cs typeface="+mn-cs"/>
+              </a:defRPr>
+            </a:lvl4pPr>
+            <a:lvl5pPr marL="1828800" indent="0" algn="l" defTabSz="914400" rtl="0" eaLnBrk="1" latinLnBrk="1" hangingPunct="1">
+              <a:lnSpc>
+                <a:spcPct val="90000"/>
+              </a:lnSpc>
+              <a:spcBef>
+                <a:spcPts val="500"/>
+              </a:spcBef>
+              <a:buFont typeface="Arial" panose="020B0604020202020204" pitchFamily="34" charset="0"/>
+              <a:buNone/>
+              <a:defRPr sz="1800" kern="1200">
+                <a:solidFill>
+                  <a:srgbClr val="F2F45F"/>
+                </a:solidFill>
+                <a:latin typeface="나눔바른고딕" panose="020B0603020101020101" pitchFamily="50" charset="-127"/>
+                <a:ea typeface="나눔바른고딕" panose="020B0603020101020101" pitchFamily="50" charset="-127"/>
+                <a:cs typeface="+mn-cs"/>
+              </a:defRPr>
+            </a:lvl5pPr>
+            <a:lvl6pPr marL="2514600" indent="-228600" algn="l" defTabSz="914400" rtl="0" eaLnBrk="1" latinLnBrk="1" hangingPunct="1">
+              <a:lnSpc>
+                <a:spcPct val="90000"/>
+              </a:lnSpc>
+              <a:spcBef>
+                <a:spcPts val="500"/>
+              </a:spcBef>
+              <a:buFont typeface="Arial" panose="020B0604020202020204" pitchFamily="34" charset="0"/>
+              <a:buChar char="•"/>
+              <a:defRPr sz="1800" kern="1200">
+                <a:solidFill>
+                  <a:schemeClr val="tx1"/>
+                </a:solidFill>
+                <a:latin typeface="+mn-lt"/>
+                <a:ea typeface="+mn-ea"/>
+                <a:cs typeface="+mn-cs"/>
+              </a:defRPr>
+            </a:lvl6pPr>
+            <a:lvl7pPr marL="2971800" indent="-228600" algn="l" defTabSz="914400" rtl="0" eaLnBrk="1" latinLnBrk="1" hangingPunct="1">
+              <a:lnSpc>
+                <a:spcPct val="90000"/>
+              </a:lnSpc>
+              <a:spcBef>
+                <a:spcPts val="500"/>
+              </a:spcBef>
+              <a:buFont typeface="Arial" panose="020B0604020202020204" pitchFamily="34" charset="0"/>
+              <a:buChar char="•"/>
+              <a:defRPr sz="1800" kern="1200">
+                <a:solidFill>
+                  <a:schemeClr val="tx1"/>
+                </a:solidFill>
+                <a:latin typeface="+mn-lt"/>
+                <a:ea typeface="+mn-ea"/>
+                <a:cs typeface="+mn-cs"/>
+              </a:defRPr>
+            </a:lvl7pPr>
+            <a:lvl8pPr marL="3429000" indent="-228600" algn="l" defTabSz="914400" rtl="0" eaLnBrk="1" latinLnBrk="1" hangingPunct="1">
+              <a:lnSpc>
+                <a:spcPct val="90000"/>
+              </a:lnSpc>
+              <a:spcBef>
+                <a:spcPts val="500"/>
+              </a:spcBef>
+              <a:buFont typeface="Arial" panose="020B0604020202020204" pitchFamily="34" charset="0"/>
+              <a:buChar char="•"/>
+              <a:defRPr sz="1800" kern="1200">
+                <a:solidFill>
+                  <a:schemeClr val="tx1"/>
+                </a:solidFill>
+                <a:latin typeface="+mn-lt"/>
+                <a:ea typeface="+mn-ea"/>
+                <a:cs typeface="+mn-cs"/>
+              </a:defRPr>
+            </a:lvl8pPr>
+            <a:lvl9pPr marL="3886200" indent="-228600" algn="l" defTabSz="914400" rtl="0" eaLnBrk="1" latinLnBrk="1" hangingPunct="1">
+              <a:lnSpc>
+                <a:spcPct val="90000"/>
+              </a:lnSpc>
+              <a:spcBef>
+                <a:spcPts val="500"/>
+              </a:spcBef>
+              <a:buFont typeface="Arial" panose="020B0604020202020204" pitchFamily="34" charset="0"/>
+              <a:buChar char="•"/>
+              <a:defRPr sz="1800" kern="1200">
+                <a:solidFill>
+                  <a:schemeClr val="tx1"/>
+                </a:solidFill>
+                <a:latin typeface="+mn-lt"/>
+                <a:ea typeface="+mn-ea"/>
+                <a:cs typeface="+mn-cs"/>
+              </a:defRPr>
+            </a:lvl9pPr>
+          </a:lstStyle>
+          <a:p>
+            <a:endParaRPr lang="en-US" altLang="ko-KR" sz="1800" b="1" dirty="0">
+              <a:solidFill>
+                <a:schemeClr val="bg1"/>
+              </a:solidFill>
+            </a:endParaRPr>
+          </a:p>
+        </p:txBody>
+      </p:sp>
+      <p:sp>
+        <p:nvSpPr>
+          <p:cNvPr id="24" name="Rectangle 21"/>
+          <p:cNvSpPr>
+            <a:spLocks noChangeArrowheads="1"/>
+          </p:cNvSpPr>
+          <p:nvPr/>
+        </p:nvSpPr>
+        <p:spPr bwMode="auto">
+          <a:xfrm>
+            <a:off x="623888" y="1470190"/>
+            <a:ext cx="3446456" cy="4955203"/>
+          </a:xfrm>
+          <a:prstGeom prst="rect">
+            <a:avLst/>
+          </a:prstGeom>
+          <a:noFill/>
+          <a:ln>
+            <a:noFill/>
+          </a:ln>
+          <a:effectLst/>
+        </p:spPr>
+        <p:txBody>
+          <a:bodyPr vert="horz" wrap="none" lIns="0" tIns="0" rIns="0" bIns="0" numCol="1" anchor="ctr" anchorCtr="0" compatLnSpc="1">
+            <a:prstTxWarp prst="textNoShape">
+              <a:avLst/>
+            </a:prstTxWarp>
+            <a:spAutoFit/>
+          </a:bodyPr>
+          <a:lstStyle/>
+          <a:p>
+            <a:pPr marL="0" marR="0" lvl="0" indent="0" algn="l" defTabSz="914400" rtl="0" eaLnBrk="0" fontAlgn="base" latinLnBrk="0" hangingPunct="0">
+              <a:lnSpc>
+                <a:spcPct val="100000"/>
+              </a:lnSpc>
+              <a:spcBef>
+                <a:spcPct val="0"/>
+              </a:spcBef>
+              <a:spcAft>
+                <a:spcPct val="0"/>
+              </a:spcAft>
+              <a:buClrTx/>
+              <a:buSzTx/>
+              <a:buFontTx/>
+              <a:buNone/>
+              <a:tabLst/>
+            </a:pPr>
+            <a:r>
+              <a:rPr kumimoji="0" lang="ko-KR" altLang="ko-KR" sz="1400" b="0" i="0" u="none" strike="noStrike" cap="none" normalizeH="0" baseline="0" dirty="0" smtClean="0">
+                <a:ln>
+                  <a:noFill/>
+                </a:ln>
+                <a:solidFill>
+                  <a:schemeClr val="bg1"/>
+                </a:solidFill>
+                <a:effectLst/>
+                <a:latin typeface="나눔바른고딕" panose="020B0603020101020101" pitchFamily="50" charset="-127"/>
+                <a:ea typeface="나눔바른고딕" panose="020B0603020101020101" pitchFamily="50" charset="-127"/>
+              </a:rPr>
+              <a:t>import java.util.Arrays;</a:t>
+            </a:r>
+          </a:p>
+          <a:p>
+            <a:pPr marL="0" marR="0" lvl="0" indent="0" algn="l" defTabSz="914400" rtl="0" eaLnBrk="0" fontAlgn="base" latinLnBrk="0" hangingPunct="0">
+              <a:lnSpc>
+                <a:spcPct val="100000"/>
+              </a:lnSpc>
+              <a:spcBef>
+                <a:spcPct val="0"/>
+              </a:spcBef>
+              <a:spcAft>
+                <a:spcPct val="0"/>
+              </a:spcAft>
+              <a:buClrTx/>
+              <a:buSzTx/>
+              <a:buFontTx/>
+              <a:buNone/>
+              <a:tabLst/>
+            </a:pPr>
+            <a:r>
+              <a:rPr kumimoji="0" lang="ko-KR" altLang="ko-KR" sz="1400" b="0" i="0" u="none" strike="noStrike" cap="none" normalizeH="0" baseline="0" dirty="0" smtClean="0">
+                <a:ln>
+                  <a:noFill/>
+                </a:ln>
+                <a:solidFill>
+                  <a:schemeClr val="bg1"/>
+                </a:solidFill>
+                <a:effectLst/>
+                <a:latin typeface="나눔바른고딕" panose="020B0603020101020101" pitchFamily="50" charset="-127"/>
+                <a:ea typeface="나눔바른고딕" panose="020B0603020101020101" pitchFamily="50" charset="-127"/>
+              </a:rPr>
+              <a:t>import java.util.Collections;</a:t>
+            </a:r>
+          </a:p>
+          <a:p>
+            <a:pPr marL="0" marR="0" lvl="0" indent="0" algn="l" defTabSz="914400" rtl="0" eaLnBrk="0" fontAlgn="base" latinLnBrk="0" hangingPunct="0">
+              <a:lnSpc>
+                <a:spcPct val="100000"/>
+              </a:lnSpc>
+              <a:spcBef>
+                <a:spcPct val="0"/>
+              </a:spcBef>
+              <a:spcAft>
+                <a:spcPct val="0"/>
+              </a:spcAft>
+              <a:buClrTx/>
+              <a:buSzTx/>
+              <a:buFontTx/>
+              <a:buNone/>
+              <a:tabLst/>
+            </a:pPr>
+            <a:r>
+              <a:rPr kumimoji="0" lang="ko-KR" altLang="ko-KR" sz="1400" b="0" i="0" u="none" strike="noStrike" cap="none" normalizeH="0" baseline="0" dirty="0" smtClean="0">
+                <a:ln>
+                  <a:noFill/>
+                </a:ln>
+                <a:solidFill>
+                  <a:schemeClr val="bg1"/>
+                </a:solidFill>
+                <a:effectLst/>
+                <a:latin typeface="나눔바른고딕" panose="020B0603020101020101" pitchFamily="50" charset="-127"/>
+                <a:ea typeface="나눔바른고딕" panose="020B0603020101020101" pitchFamily="50" charset="-127"/>
+              </a:rPr>
+              <a:t>import java.util.List;</a:t>
+            </a:r>
+          </a:p>
+          <a:p>
+            <a:pPr marL="0" marR="0" lvl="0" indent="0" algn="l" defTabSz="914400" rtl="0" eaLnBrk="0" fontAlgn="base" latinLnBrk="0" hangingPunct="0">
+              <a:lnSpc>
+                <a:spcPct val="100000"/>
+              </a:lnSpc>
+              <a:spcBef>
+                <a:spcPct val="0"/>
+              </a:spcBef>
+              <a:spcAft>
+                <a:spcPct val="0"/>
+              </a:spcAft>
+              <a:buClrTx/>
+              <a:buSzTx/>
+              <a:buFontTx/>
+              <a:buNone/>
+              <a:tabLst/>
+            </a:pPr>
+            <a:r>
+              <a:rPr kumimoji="0" lang="ko-KR" altLang="ko-KR" sz="1400" b="0" i="0" u="none" strike="noStrike" cap="none" normalizeH="0" baseline="0" dirty="0" smtClean="0">
+                <a:ln>
+                  <a:noFill/>
+                </a:ln>
+                <a:solidFill>
+                  <a:schemeClr val="bg1"/>
+                </a:solidFill>
+                <a:effectLst/>
+                <a:latin typeface="나눔바른고딕" panose="020B0603020101020101" pitchFamily="50" charset="-127"/>
+                <a:ea typeface="나눔바른고딕" panose="020B0603020101020101" pitchFamily="50" charset="-127"/>
+              </a:rPr>
+              <a:t> </a:t>
+            </a:r>
+          </a:p>
+          <a:p>
+            <a:pPr marL="0" marR="0" lvl="0" indent="0" algn="l" defTabSz="914400" rtl="0" eaLnBrk="0" fontAlgn="base" latinLnBrk="0" hangingPunct="0">
+              <a:lnSpc>
+                <a:spcPct val="100000"/>
+              </a:lnSpc>
+              <a:spcBef>
+                <a:spcPct val="0"/>
+              </a:spcBef>
+              <a:spcAft>
+                <a:spcPct val="0"/>
+              </a:spcAft>
+              <a:buClrTx/>
+              <a:buSzTx/>
+              <a:buFontTx/>
+              <a:buNone/>
+              <a:tabLst/>
+            </a:pPr>
+            <a:r>
+              <a:rPr kumimoji="0" lang="ko-KR" altLang="ko-KR" sz="1400" b="0" i="0" u="none" strike="noStrike" cap="none" normalizeH="0" baseline="0" dirty="0" smtClean="0">
+                <a:ln>
+                  <a:noFill/>
+                </a:ln>
+                <a:solidFill>
+                  <a:schemeClr val="bg1"/>
+                </a:solidFill>
+                <a:effectLst/>
+                <a:latin typeface="나눔바른고딕" panose="020B0603020101020101" pitchFamily="50" charset="-127"/>
+                <a:ea typeface="나눔바른고딕" panose="020B0603020101020101" pitchFamily="50" charset="-127"/>
+              </a:rPr>
+              <a:t>import javax.sound.sampled.ReverbType;</a:t>
+            </a:r>
+          </a:p>
+          <a:p>
+            <a:pPr marL="0" marR="0" lvl="0" indent="0" algn="l" defTabSz="914400" rtl="0" eaLnBrk="0" fontAlgn="base" latinLnBrk="0" hangingPunct="0">
+              <a:lnSpc>
+                <a:spcPct val="100000"/>
+              </a:lnSpc>
+              <a:spcBef>
+                <a:spcPct val="0"/>
+              </a:spcBef>
+              <a:spcAft>
+                <a:spcPct val="0"/>
+              </a:spcAft>
+              <a:buClrTx/>
+              <a:buSzTx/>
+              <a:buFontTx/>
+              <a:buNone/>
+              <a:tabLst/>
+            </a:pPr>
+            <a:r>
+              <a:rPr kumimoji="0" lang="ko-KR" altLang="ko-KR" sz="1400" b="0" i="0" u="none" strike="noStrike" cap="none" normalizeH="0" baseline="0" dirty="0" smtClean="0">
+                <a:ln>
+                  <a:noFill/>
+                </a:ln>
+                <a:solidFill>
+                  <a:schemeClr val="bg1"/>
+                </a:solidFill>
+                <a:effectLst/>
+                <a:latin typeface="나눔바른고딕" panose="020B0603020101020101" pitchFamily="50" charset="-127"/>
+                <a:ea typeface="나눔바른고딕" panose="020B0603020101020101" pitchFamily="50" charset="-127"/>
+              </a:rPr>
+              <a:t> </a:t>
+            </a:r>
+          </a:p>
+          <a:p>
+            <a:pPr marL="0" marR="0" lvl="0" indent="0" algn="l" defTabSz="914400" rtl="0" eaLnBrk="0" fontAlgn="base" latinLnBrk="0" hangingPunct="0">
+              <a:lnSpc>
+                <a:spcPct val="100000"/>
+              </a:lnSpc>
+              <a:spcBef>
+                <a:spcPct val="0"/>
+              </a:spcBef>
+              <a:spcAft>
+                <a:spcPct val="0"/>
+              </a:spcAft>
+              <a:buClrTx/>
+              <a:buSzTx/>
+              <a:buFontTx/>
+              <a:buNone/>
+              <a:tabLst/>
+            </a:pPr>
+            <a:r>
+              <a:rPr kumimoji="0" lang="ko-KR" altLang="ko-KR" sz="1400" b="0" i="0" u="none" strike="noStrike" cap="none" normalizeH="0" baseline="0" dirty="0" smtClean="0">
+                <a:ln>
+                  <a:noFill/>
+                </a:ln>
+                <a:solidFill>
+                  <a:schemeClr val="bg1"/>
+                </a:solidFill>
+                <a:effectLst/>
+                <a:latin typeface="나눔바른고딕" panose="020B0603020101020101" pitchFamily="50" charset="-127"/>
+                <a:ea typeface="나눔바른고딕" panose="020B0603020101020101" pitchFamily="50" charset="-127"/>
+              </a:rPr>
+              <a:t> </a:t>
+            </a:r>
+          </a:p>
+          <a:p>
+            <a:pPr marL="0" marR="0" lvl="0" indent="0" algn="l" defTabSz="914400" rtl="0" eaLnBrk="0" fontAlgn="base" latinLnBrk="0" hangingPunct="0">
+              <a:lnSpc>
+                <a:spcPct val="100000"/>
+              </a:lnSpc>
+              <a:spcBef>
+                <a:spcPct val="0"/>
+              </a:spcBef>
+              <a:spcAft>
+                <a:spcPct val="0"/>
+              </a:spcAft>
+              <a:buClrTx/>
+              <a:buSzTx/>
+              <a:buFontTx/>
+              <a:buNone/>
+              <a:tabLst/>
+            </a:pPr>
+            <a:r>
+              <a:rPr kumimoji="0" lang="ko-KR" altLang="ko-KR" sz="1400" b="0" i="0" u="none" strike="noStrike" cap="none" normalizeH="0" baseline="0" dirty="0" smtClean="0">
+                <a:ln>
+                  <a:noFill/>
+                </a:ln>
+                <a:solidFill>
+                  <a:schemeClr val="bg1"/>
+                </a:solidFill>
+                <a:effectLst/>
+                <a:latin typeface="나눔바른고딕" panose="020B0603020101020101" pitchFamily="50" charset="-127"/>
+                <a:ea typeface="나눔바른고딕" panose="020B0603020101020101" pitchFamily="50" charset="-127"/>
+              </a:rPr>
+              <a:t>public class OverloadExam5 {</a:t>
+            </a:r>
+          </a:p>
+          <a:p>
+            <a:pPr marL="0" marR="0" lvl="0" indent="0" algn="l" defTabSz="914400" rtl="0" eaLnBrk="0" fontAlgn="base" latinLnBrk="0" hangingPunct="0">
+              <a:lnSpc>
+                <a:spcPct val="100000"/>
+              </a:lnSpc>
+              <a:spcBef>
+                <a:spcPct val="0"/>
+              </a:spcBef>
+              <a:spcAft>
+                <a:spcPct val="0"/>
+              </a:spcAft>
+              <a:buClrTx/>
+              <a:buSzTx/>
+              <a:buFontTx/>
+              <a:buNone/>
+              <a:tabLst/>
+            </a:pPr>
+            <a:r>
+              <a:rPr kumimoji="0" lang="ko-KR" altLang="ko-KR" sz="1400" b="0" i="0" u="none" strike="noStrike" cap="none" normalizeH="0" baseline="0" dirty="0" smtClean="0">
+                <a:ln>
+                  <a:noFill/>
+                </a:ln>
+                <a:solidFill>
+                  <a:schemeClr val="bg1"/>
+                </a:solidFill>
+                <a:effectLst/>
+                <a:latin typeface="나눔바른고딕" panose="020B0603020101020101" pitchFamily="50" charset="-127"/>
+                <a:ea typeface="나눔바른고딕" panose="020B0603020101020101" pitchFamily="50" charset="-127"/>
+              </a:rPr>
+              <a:t> </a:t>
+            </a:r>
+          </a:p>
+          <a:p>
+            <a:pPr marL="0" marR="0" lvl="0" indent="0" algn="l" defTabSz="914400" rtl="0" eaLnBrk="0" fontAlgn="base" latinLnBrk="0" hangingPunct="0">
+              <a:lnSpc>
+                <a:spcPct val="100000"/>
+              </a:lnSpc>
+              <a:spcBef>
+                <a:spcPct val="0"/>
+              </a:spcBef>
+              <a:spcAft>
+                <a:spcPct val="0"/>
+              </a:spcAft>
+              <a:buClrTx/>
+              <a:buSzTx/>
+              <a:buFontTx/>
+              <a:buNone/>
+              <a:tabLst/>
+            </a:pPr>
+            <a:r>
+              <a:rPr kumimoji="0" lang="ko-KR" altLang="ko-KR" sz="1400" b="0" i="0" u="none" strike="noStrike" cap="none" normalizeH="0" baseline="0" dirty="0" smtClean="0">
+                <a:ln>
+                  <a:noFill/>
+                </a:ln>
+                <a:solidFill>
+                  <a:schemeClr val="bg1"/>
+                </a:solidFill>
+                <a:effectLst/>
+                <a:latin typeface="나눔바른고딕" panose="020B0603020101020101" pitchFamily="50" charset="-127"/>
+                <a:ea typeface="나눔바른고딕" panose="020B0603020101020101" pitchFamily="50" charset="-127"/>
+              </a:rPr>
+              <a:t>/**</a:t>
+            </a:r>
+          </a:p>
+          <a:p>
+            <a:pPr marL="0" marR="0" lvl="0" indent="0" algn="l" defTabSz="914400" rtl="0" eaLnBrk="0" fontAlgn="base" latinLnBrk="0" hangingPunct="0">
+              <a:lnSpc>
+                <a:spcPct val="100000"/>
+              </a:lnSpc>
+              <a:spcBef>
+                <a:spcPct val="0"/>
+              </a:spcBef>
+              <a:spcAft>
+                <a:spcPct val="0"/>
+              </a:spcAft>
+              <a:buClrTx/>
+              <a:buSzTx/>
+              <a:buFontTx/>
+              <a:buNone/>
+              <a:tabLst/>
+            </a:pPr>
+            <a:r>
+              <a:rPr kumimoji="0" lang="ko-KR" altLang="ko-KR" sz="1400" b="0" i="0" u="none" strike="noStrike" cap="none" normalizeH="0" baseline="0" dirty="0" smtClean="0">
+                <a:ln>
+                  <a:noFill/>
+                </a:ln>
+                <a:solidFill>
+                  <a:schemeClr val="bg1"/>
+                </a:solidFill>
+                <a:effectLst/>
+                <a:latin typeface="나눔바른고딕" panose="020B0603020101020101" pitchFamily="50" charset="-127"/>
+                <a:ea typeface="나눔바른고딕" panose="020B0603020101020101" pitchFamily="50" charset="-127"/>
+              </a:rPr>
+              <a:t> * @param args</a:t>
+            </a:r>
+          </a:p>
+          <a:p>
+            <a:pPr marL="0" marR="0" lvl="0" indent="0" algn="l" defTabSz="914400" rtl="0" eaLnBrk="0" fontAlgn="base" latinLnBrk="0" hangingPunct="0">
+              <a:lnSpc>
+                <a:spcPct val="100000"/>
+              </a:lnSpc>
+              <a:spcBef>
+                <a:spcPct val="0"/>
+              </a:spcBef>
+              <a:spcAft>
+                <a:spcPct val="0"/>
+              </a:spcAft>
+              <a:buClrTx/>
+              <a:buSzTx/>
+              <a:buFontTx/>
+              <a:buNone/>
+              <a:tabLst/>
+            </a:pPr>
+            <a:r>
+              <a:rPr kumimoji="0" lang="ko-KR" altLang="ko-KR" sz="1400" b="0" i="0" u="none" strike="noStrike" cap="none" normalizeH="0" baseline="0" dirty="0" smtClean="0">
+                <a:ln>
+                  <a:noFill/>
+                </a:ln>
+                <a:solidFill>
+                  <a:schemeClr val="bg1"/>
+                </a:solidFill>
+                <a:effectLst/>
+                <a:latin typeface="나눔바른고딕" panose="020B0603020101020101" pitchFamily="50" charset="-127"/>
+                <a:ea typeface="나눔바른고딕" panose="020B0603020101020101" pitchFamily="50" charset="-127"/>
+              </a:rPr>
+              <a:t> */</a:t>
+            </a:r>
+          </a:p>
+          <a:p>
+            <a:pPr marL="0" marR="0" lvl="0" indent="0" algn="l" defTabSz="914400" rtl="0" eaLnBrk="0" fontAlgn="base" latinLnBrk="0" hangingPunct="0">
+              <a:lnSpc>
+                <a:spcPct val="100000"/>
+              </a:lnSpc>
+              <a:spcBef>
+                <a:spcPct val="0"/>
+              </a:spcBef>
+              <a:spcAft>
+                <a:spcPct val="0"/>
+              </a:spcAft>
+              <a:buClrTx/>
+              <a:buSzTx/>
+              <a:buFontTx/>
+              <a:buNone/>
+              <a:tabLst/>
+            </a:pPr>
+            <a:r>
+              <a:rPr kumimoji="0" lang="ko-KR" altLang="ko-KR" sz="1400" b="0" i="0" u="none" strike="noStrike" cap="none" normalizeH="0" baseline="0" dirty="0" smtClean="0">
+                <a:ln>
+                  <a:noFill/>
+                </a:ln>
+                <a:solidFill>
+                  <a:schemeClr val="bg1"/>
+                </a:solidFill>
+                <a:effectLst/>
+                <a:latin typeface="나눔바른고딕" panose="020B0603020101020101" pitchFamily="50" charset="-127"/>
+                <a:ea typeface="나눔바른고딕" panose="020B0603020101020101" pitchFamily="50" charset="-127"/>
+              </a:rPr>
+              <a:t>public static void main(String[] args) {</a:t>
+            </a:r>
+          </a:p>
+          <a:p>
+            <a:pPr marL="0" marR="0" lvl="0" indent="0" algn="l" defTabSz="914400" rtl="0" eaLnBrk="0" fontAlgn="base" latinLnBrk="0" hangingPunct="0">
+              <a:lnSpc>
+                <a:spcPct val="100000"/>
+              </a:lnSpc>
+              <a:spcBef>
+                <a:spcPct val="0"/>
+              </a:spcBef>
+              <a:spcAft>
+                <a:spcPct val="0"/>
+              </a:spcAft>
+              <a:buClrTx/>
+              <a:buSzTx/>
+              <a:buFontTx/>
+              <a:buNone/>
+              <a:tabLst/>
+            </a:pPr>
+            <a:r>
+              <a:rPr kumimoji="0" lang="ko-KR" altLang="ko-KR" sz="1400" b="0" i="0" u="none" strike="noStrike" cap="none" normalizeH="0" baseline="0" dirty="0" smtClean="0">
+                <a:ln>
+                  <a:noFill/>
+                </a:ln>
+                <a:solidFill>
+                  <a:schemeClr val="bg1"/>
+                </a:solidFill>
+                <a:effectLst/>
+                <a:latin typeface="나눔바른고딕" panose="020B0603020101020101" pitchFamily="50" charset="-127"/>
+                <a:ea typeface="나눔바른고딕" panose="020B0603020101020101" pitchFamily="50" charset="-127"/>
+              </a:rPr>
+              <a:t>// TODO Auto-generated method stub</a:t>
+            </a:r>
+          </a:p>
+          <a:p>
+            <a:pPr marL="0" marR="0" lvl="0" indent="0" algn="l" defTabSz="914400" rtl="0" eaLnBrk="0" fontAlgn="base" latinLnBrk="0" hangingPunct="0">
+              <a:lnSpc>
+                <a:spcPct val="100000"/>
+              </a:lnSpc>
+              <a:spcBef>
+                <a:spcPct val="0"/>
+              </a:spcBef>
+              <a:spcAft>
+                <a:spcPct val="0"/>
+              </a:spcAft>
+              <a:buClrTx/>
+              <a:buSzTx/>
+              <a:buFontTx/>
+              <a:buNone/>
+              <a:tabLst/>
+            </a:pPr>
+            <a:r>
+              <a:rPr kumimoji="0" lang="ko-KR" altLang="ko-KR" sz="1400" b="0" i="0" u="none" strike="noStrike" cap="none" normalizeH="0" baseline="0" dirty="0" smtClean="0">
+                <a:ln>
+                  <a:noFill/>
+                </a:ln>
+                <a:solidFill>
+                  <a:schemeClr val="bg1"/>
+                </a:solidFill>
+                <a:effectLst/>
+                <a:latin typeface="나눔바른고딕" panose="020B0603020101020101" pitchFamily="50" charset="-127"/>
+                <a:ea typeface="나눔바른고딕" panose="020B0603020101020101" pitchFamily="50" charset="-127"/>
+              </a:rPr>
+              <a:t>int[] num1 = {1, 3, 4, 56, 78, 91, 23};</a:t>
+            </a:r>
+          </a:p>
+          <a:p>
+            <a:pPr marL="0" marR="0" lvl="0" indent="0" algn="l" defTabSz="914400" rtl="0" eaLnBrk="0" fontAlgn="base" latinLnBrk="0" hangingPunct="0">
+              <a:lnSpc>
+                <a:spcPct val="100000"/>
+              </a:lnSpc>
+              <a:spcBef>
+                <a:spcPct val="0"/>
+              </a:spcBef>
+              <a:spcAft>
+                <a:spcPct val="0"/>
+              </a:spcAft>
+              <a:buClrTx/>
+              <a:buSzTx/>
+              <a:buFontTx/>
+              <a:buNone/>
+              <a:tabLst/>
+            </a:pPr>
+            <a:r>
+              <a:rPr kumimoji="0" lang="ko-KR" altLang="ko-KR" sz="1400" b="0" i="0" u="none" strike="noStrike" cap="none" normalizeH="0" baseline="0" dirty="0" smtClean="0">
+                <a:ln>
+                  <a:noFill/>
+                </a:ln>
+                <a:solidFill>
+                  <a:schemeClr val="bg1"/>
+                </a:solidFill>
+                <a:effectLst/>
+                <a:latin typeface="나눔바른고딕" panose="020B0603020101020101" pitchFamily="50" charset="-127"/>
+                <a:ea typeface="나눔바른고딕" panose="020B0603020101020101" pitchFamily="50" charset="-127"/>
+              </a:rPr>
+              <a:t>int[] num2 = {21, 5, 65, 57, 79, 17, 33};</a:t>
+            </a:r>
+          </a:p>
+          <a:p>
+            <a:pPr marL="0" marR="0" lvl="0" indent="0" algn="l" defTabSz="914400" rtl="0" eaLnBrk="0" fontAlgn="base" latinLnBrk="0" hangingPunct="0">
+              <a:lnSpc>
+                <a:spcPct val="100000"/>
+              </a:lnSpc>
+              <a:spcBef>
+                <a:spcPct val="0"/>
+              </a:spcBef>
+              <a:spcAft>
+                <a:spcPct val="0"/>
+              </a:spcAft>
+              <a:buClrTx/>
+              <a:buSzTx/>
+              <a:buFontTx/>
+              <a:buNone/>
+              <a:tabLst/>
+            </a:pPr>
+            <a:r>
+              <a:rPr kumimoji="0" lang="ko-KR" altLang="ko-KR" sz="1400" b="0" i="0" u="none" strike="noStrike" cap="none" normalizeH="0" baseline="0" dirty="0" smtClean="0">
+                <a:ln>
+                  <a:noFill/>
+                </a:ln>
+                <a:solidFill>
+                  <a:schemeClr val="bg1"/>
+                </a:solidFill>
+                <a:effectLst/>
+                <a:latin typeface="나눔바른고딕" panose="020B0603020101020101" pitchFamily="50" charset="-127"/>
+                <a:ea typeface="나눔바른고딕" panose="020B0603020101020101" pitchFamily="50" charset="-127"/>
+              </a:rPr>
+              <a:t>SortPrint sp = new SortPrint();</a:t>
+            </a:r>
+          </a:p>
+          <a:p>
+            <a:pPr marL="0" marR="0" lvl="0" indent="0" algn="l" defTabSz="914400" rtl="0" eaLnBrk="0" fontAlgn="base" latinLnBrk="0" hangingPunct="0">
+              <a:lnSpc>
+                <a:spcPct val="100000"/>
+              </a:lnSpc>
+              <a:spcBef>
+                <a:spcPct val="0"/>
+              </a:spcBef>
+              <a:spcAft>
+                <a:spcPct val="0"/>
+              </a:spcAft>
+              <a:buClrTx/>
+              <a:buSzTx/>
+              <a:buFontTx/>
+              <a:buNone/>
+              <a:tabLst/>
+            </a:pPr>
+            <a:r>
+              <a:rPr kumimoji="0" lang="ko-KR" altLang="ko-KR" sz="1400" b="0" i="0" u="none" strike="noStrike" cap="none" normalizeH="0" baseline="0" dirty="0" smtClean="0">
+                <a:ln>
+                  <a:noFill/>
+                </a:ln>
+                <a:solidFill>
+                  <a:schemeClr val="bg1"/>
+                </a:solidFill>
+                <a:effectLst/>
+                <a:latin typeface="나눔바른고딕" panose="020B0603020101020101" pitchFamily="50" charset="-127"/>
+                <a:ea typeface="나눔바른고딕" panose="020B0603020101020101" pitchFamily="50" charset="-127"/>
+              </a:rPr>
+              <a:t>sp.ascend(num1);</a:t>
+            </a:r>
+          </a:p>
+          <a:p>
+            <a:pPr marL="0" marR="0" lvl="0" indent="0" algn="l" defTabSz="914400" rtl="0" eaLnBrk="0" fontAlgn="base" latinLnBrk="0" hangingPunct="0">
+              <a:lnSpc>
+                <a:spcPct val="100000"/>
+              </a:lnSpc>
+              <a:spcBef>
+                <a:spcPct val="0"/>
+              </a:spcBef>
+              <a:spcAft>
+                <a:spcPct val="0"/>
+              </a:spcAft>
+              <a:buClrTx/>
+              <a:buSzTx/>
+              <a:buFontTx/>
+              <a:buNone/>
+              <a:tabLst/>
+            </a:pPr>
+            <a:r>
+              <a:rPr kumimoji="0" lang="ko-KR" altLang="ko-KR" sz="1400" b="0" i="0" u="none" strike="noStrike" cap="none" normalizeH="0" baseline="0" dirty="0" smtClean="0">
+                <a:ln>
+                  <a:noFill/>
+                </a:ln>
+                <a:solidFill>
+                  <a:schemeClr val="bg1"/>
+                </a:solidFill>
+                <a:effectLst/>
+                <a:latin typeface="나눔바른고딕" panose="020B0603020101020101" pitchFamily="50" charset="-127"/>
+                <a:ea typeface="나눔바른고딕" panose="020B0603020101020101" pitchFamily="50" charset="-127"/>
+              </a:rPr>
+              <a:t>sp.descend(num2);</a:t>
+            </a:r>
+          </a:p>
+          <a:p>
+            <a:pPr marL="0" marR="0" lvl="0" indent="0" algn="l" defTabSz="914400" rtl="0" eaLnBrk="0" fontAlgn="base" latinLnBrk="0" hangingPunct="0">
+              <a:lnSpc>
+                <a:spcPct val="100000"/>
+              </a:lnSpc>
+              <a:spcBef>
+                <a:spcPct val="0"/>
+              </a:spcBef>
+              <a:spcAft>
+                <a:spcPct val="0"/>
+              </a:spcAft>
+              <a:buClrTx/>
+              <a:buSzTx/>
+              <a:buFontTx/>
+              <a:buNone/>
+              <a:tabLst/>
+            </a:pPr>
+            <a:r>
+              <a:rPr kumimoji="0" lang="ko-KR" altLang="ko-KR" sz="1400" b="0" i="0" u="none" strike="noStrike" cap="none" normalizeH="0" baseline="0" dirty="0" smtClean="0">
+                <a:ln>
+                  <a:noFill/>
+                </a:ln>
+                <a:solidFill>
+                  <a:schemeClr val="bg1"/>
+                </a:solidFill>
+                <a:effectLst/>
+                <a:latin typeface="나눔바른고딕" panose="020B0603020101020101" pitchFamily="50" charset="-127"/>
+                <a:ea typeface="나눔바른고딕" panose="020B0603020101020101" pitchFamily="50" charset="-127"/>
+              </a:rPr>
+              <a:t>}</a:t>
+            </a:r>
+          </a:p>
+          <a:p>
+            <a:pPr marL="0" marR="0" lvl="0" indent="0" algn="l" defTabSz="914400" rtl="0" eaLnBrk="0" fontAlgn="base" latinLnBrk="0" hangingPunct="0">
+              <a:lnSpc>
+                <a:spcPct val="100000"/>
+              </a:lnSpc>
+              <a:spcBef>
+                <a:spcPct val="0"/>
+              </a:spcBef>
+              <a:spcAft>
+                <a:spcPct val="0"/>
+              </a:spcAft>
+              <a:buClrTx/>
+              <a:buSzTx/>
+              <a:buFontTx/>
+              <a:buNone/>
+              <a:tabLst/>
+            </a:pPr>
+            <a:r>
+              <a:rPr kumimoji="0" lang="ko-KR" altLang="ko-KR" sz="1400" b="0" i="0" u="none" strike="noStrike" cap="none" normalizeH="0" baseline="0" dirty="0" smtClean="0">
+                <a:ln>
+                  <a:noFill/>
+                </a:ln>
+                <a:solidFill>
+                  <a:schemeClr val="bg1"/>
+                </a:solidFill>
+                <a:effectLst/>
+                <a:latin typeface="나눔바른고딕" panose="020B0603020101020101" pitchFamily="50" charset="-127"/>
+                <a:ea typeface="나눔바른고딕" panose="020B0603020101020101" pitchFamily="50" charset="-127"/>
+              </a:rPr>
+              <a:t> </a:t>
+            </a:r>
+          </a:p>
+          <a:p>
+            <a:pPr marL="0" marR="0" lvl="0" indent="0" algn="l" defTabSz="914400" rtl="0" eaLnBrk="0" fontAlgn="base" latinLnBrk="0" hangingPunct="0">
+              <a:lnSpc>
+                <a:spcPct val="100000"/>
+              </a:lnSpc>
+              <a:spcBef>
+                <a:spcPct val="0"/>
+              </a:spcBef>
+              <a:spcAft>
+                <a:spcPct val="0"/>
+              </a:spcAft>
+              <a:buClrTx/>
+              <a:buSzTx/>
+              <a:buFontTx/>
+              <a:buNone/>
+              <a:tabLst/>
+            </a:pPr>
+            <a:r>
+              <a:rPr kumimoji="0" lang="ko-KR" altLang="ko-KR" sz="1400" b="0" i="0" u="none" strike="noStrike" cap="none" normalizeH="0" baseline="0" dirty="0" smtClean="0">
+                <a:ln>
+                  <a:noFill/>
+                </a:ln>
+                <a:solidFill>
+                  <a:schemeClr val="bg1"/>
+                </a:solidFill>
+                <a:effectLst/>
+                <a:latin typeface="나눔바른고딕" panose="020B0603020101020101" pitchFamily="50" charset="-127"/>
+                <a:ea typeface="나눔바른고딕" panose="020B0603020101020101" pitchFamily="50" charset="-127"/>
+              </a:rPr>
+              <a:t>}</a:t>
+            </a:r>
+          </a:p>
+          <a:p>
+            <a:pPr marL="0" marR="0" lvl="0" indent="0" algn="l" defTabSz="914400" rtl="0" eaLnBrk="0" fontAlgn="base" latinLnBrk="0" hangingPunct="0">
+              <a:lnSpc>
+                <a:spcPct val="100000"/>
+              </a:lnSpc>
+              <a:spcBef>
+                <a:spcPct val="0"/>
+              </a:spcBef>
+              <a:spcAft>
+                <a:spcPct val="0"/>
+              </a:spcAft>
+              <a:buClrTx/>
+              <a:buSzTx/>
+              <a:buFontTx/>
+              <a:buNone/>
+              <a:tabLst/>
+            </a:pPr>
+            <a:endParaRPr kumimoji="0" lang="ko-KR" altLang="ko-KR" sz="1400" b="0" i="0" u="none" strike="noStrike" cap="none" normalizeH="0" baseline="0" dirty="0" smtClean="0">
+              <a:ln>
+                <a:noFill/>
+              </a:ln>
+              <a:solidFill>
+                <a:schemeClr val="bg1"/>
+              </a:solidFill>
+              <a:effectLst/>
+              <a:latin typeface="나눔바른고딕" panose="020B0603020101020101" pitchFamily="50" charset="-127"/>
+              <a:ea typeface="나눔바른고딕" panose="020B0603020101020101" pitchFamily="50" charset="-127"/>
+            </a:endParaRPr>
+          </a:p>
+        </p:txBody>
+      </p:sp>
       <p:pic>
         <p:nvPicPr>
-          <p:cNvPr id="5" name="그림 4"/>
+          <p:cNvPr id="1046" name="Picture 22" descr="다음"/>
           <p:cNvPicPr>
-            <a:picLocks noChangeAspect="1"/>
+            <a:picLocks noChangeAspect="1" noChangeArrowheads="1"/>
           </p:cNvPicPr>
           <p:nvPr/>
         </p:nvPicPr>
@@ -3128,55 +4255,496 @@
               </a:ext>
             </a:extLst>
           </a:blip>
+          <a:srcRect/>
           <a:stretch>
             <a:fillRect/>
           </a:stretch>
         </p:blipFill>
-        <p:spPr>
+        <p:spPr bwMode="auto">
           <a:xfrm>
-            <a:off x="0" y="0"/>
-            <a:ext cx="9144000" cy="6858000"/>
-          </a:xfrm>
-          <a:prstGeom prst="rect">
-            <a:avLst/>
-          </a:prstGeom>
-        </p:spPr>
-      </p:pic>
-      <p:sp>
-        <p:nvSpPr>
-          <p:cNvPr id="6" name="TextBox 5"/>
-          <p:cNvSpPr txBox="1"/>
-          <p:nvPr/>
-        </p:nvSpPr>
-        <p:spPr>
-          <a:xfrm>
-            <a:off x="2673178" y="2551837"/>
-            <a:ext cx="3797643" cy="1754326"/>
+            <a:off x="538163" y="3786188"/>
+            <a:ext cx="85725" cy="57150"/>
           </a:xfrm>
           <a:prstGeom prst="rect">
             <a:avLst/>
           </a:prstGeom>
           <a:noFill/>
+          <a:extLst>
+            <a:ext uri="{909E8E84-426E-40DD-AFC4-6F175D3DCCD1}">
+              <a14:hiddenFill xmlns:a14="http://schemas.microsoft.com/office/drawing/2010/main">
+                <a:solidFill>
+                  <a:srgbClr val="FFFFFF"/>
+                </a:solidFill>
+              </a14:hiddenFill>
+            </a:ext>
+          </a:extLst>
         </p:spPr>
-        <p:txBody>
-          <a:bodyPr wrap="square" rtlCol="0">
+      </p:pic>
+      <p:sp>
+        <p:nvSpPr>
+          <p:cNvPr id="31" name="Rectangle 21"/>
+          <p:cNvSpPr>
+            <a:spLocks noChangeArrowheads="1"/>
+          </p:cNvSpPr>
+          <p:nvPr/>
+        </p:nvSpPr>
+        <p:spPr bwMode="auto">
+          <a:xfrm>
+            <a:off x="5101745" y="1470190"/>
+            <a:ext cx="3619214" cy="4524315"/>
+          </a:xfrm>
+          <a:prstGeom prst="rect">
+            <a:avLst/>
+          </a:prstGeom>
+          <a:noFill/>
+          <a:ln>
+            <a:noFill/>
+          </a:ln>
+          <a:effectLst/>
+        </p:spPr>
+        <p:txBody>
+          <a:bodyPr vert="horz" wrap="square" lIns="0" tIns="0" rIns="0" bIns="0" numCol="1" anchor="ctr" anchorCtr="0" compatLnSpc="1">
+            <a:prstTxWarp prst="textNoShape">
+              <a:avLst/>
+            </a:prstTxWarp>
             <a:spAutoFit/>
           </a:bodyPr>
           <a:lstStyle/>
           <a:p>
-            <a:pPr algn="ctr"/>
-            <a:r>
-              <a:rPr lang="en-US" altLang="ko-KR" sz="10800" dirty="0" smtClean="0">
-                <a:solidFill>
-                  <a:srgbClr val="F2F45F"/>
-                </a:solidFill>
-              </a:rPr>
-              <a:t>JAVA</a:t>
-            </a:r>
-            <a:endParaRPr lang="ko-KR" altLang="en-US" sz="10800" dirty="0">
+            <a:pPr lvl="0" eaLnBrk="0" fontAlgn="base" latinLnBrk="0" hangingPunct="0">
+              <a:spcBef>
+                <a:spcPct val="0"/>
+              </a:spcBef>
+              <a:spcAft>
+                <a:spcPct val="0"/>
+              </a:spcAft>
+            </a:pPr>
+            <a:r>
+              <a:rPr lang="ko-KR" altLang="ko-KR" sz="1400" dirty="0">
+                <a:solidFill>
+                  <a:schemeClr val="bg1"/>
+                </a:solidFill>
+                <a:latin typeface="나눔바른고딕" panose="020B0603020101020101" pitchFamily="50" charset="-127"/>
+                <a:ea typeface="나눔바른고딕" panose="020B0603020101020101" pitchFamily="50" charset="-127"/>
+              </a:rPr>
+              <a:t>class SortPrint {</a:t>
+            </a:r>
+          </a:p>
+          <a:p>
+            <a:pPr lvl="0" eaLnBrk="0" fontAlgn="base" latinLnBrk="0" hangingPunct="0">
+              <a:spcBef>
+                <a:spcPct val="0"/>
+              </a:spcBef>
+              <a:spcAft>
+                <a:spcPct val="0"/>
+              </a:spcAft>
+            </a:pPr>
+            <a:r>
+              <a:rPr lang="ko-KR" altLang="ko-KR" sz="1400" dirty="0">
+                <a:solidFill>
+                  <a:schemeClr val="bg1"/>
+                </a:solidFill>
+                <a:latin typeface="나눔바른고딕" panose="020B0603020101020101" pitchFamily="50" charset="-127"/>
+                <a:ea typeface="나눔바른고딕" panose="020B0603020101020101" pitchFamily="50" charset="-127"/>
+              </a:rPr>
+              <a:t>public SortPrint() {}</a:t>
+            </a:r>
+          </a:p>
+          <a:p>
+            <a:pPr lvl="0" eaLnBrk="0" fontAlgn="base" latinLnBrk="0" hangingPunct="0">
+              <a:spcBef>
+                <a:spcPct val="0"/>
+              </a:spcBef>
+              <a:spcAft>
+                <a:spcPct val="0"/>
+              </a:spcAft>
+            </a:pPr>
+            <a:r>
+              <a:rPr lang="ko-KR" altLang="ko-KR" sz="1400" dirty="0">
+                <a:solidFill>
+                  <a:schemeClr val="bg1"/>
+                </a:solidFill>
+                <a:latin typeface="나눔바른고딕" panose="020B0603020101020101" pitchFamily="50" charset="-127"/>
+                <a:ea typeface="나눔바른고딕" panose="020B0603020101020101" pitchFamily="50" charset="-127"/>
+              </a:rPr>
+              <a:t>void ascend(int[] num) {</a:t>
+            </a:r>
+          </a:p>
+          <a:p>
+            <a:pPr lvl="0" eaLnBrk="0" fontAlgn="base" latinLnBrk="0" hangingPunct="0">
+              <a:spcBef>
+                <a:spcPct val="0"/>
+              </a:spcBef>
+              <a:spcAft>
+                <a:spcPct val="0"/>
+              </a:spcAft>
+            </a:pPr>
+            <a:r>
+              <a:rPr lang="ko-KR" altLang="ko-KR" sz="1400" dirty="0">
+                <a:solidFill>
+                  <a:schemeClr val="bg1"/>
+                </a:solidFill>
+                <a:latin typeface="나눔바른고딕" panose="020B0603020101020101" pitchFamily="50" charset="-127"/>
+                <a:ea typeface="나눔바른고딕" panose="020B0603020101020101" pitchFamily="50" charset="-127"/>
+              </a:rPr>
+              <a:t>Arrays.sort(num);</a:t>
+            </a:r>
+          </a:p>
+          <a:p>
+            <a:pPr lvl="0" eaLnBrk="0" fontAlgn="base" latinLnBrk="0" hangingPunct="0">
+              <a:spcBef>
+                <a:spcPct val="0"/>
+              </a:spcBef>
+              <a:spcAft>
+                <a:spcPct val="0"/>
+              </a:spcAft>
+            </a:pPr>
+            <a:r>
+              <a:rPr lang="ko-KR" altLang="ko-KR" sz="1400" dirty="0">
+                <a:solidFill>
+                  <a:schemeClr val="bg1"/>
+                </a:solidFill>
+                <a:latin typeface="나눔바른고딕" panose="020B0603020101020101" pitchFamily="50" charset="-127"/>
+                <a:ea typeface="나눔바른고딕" panose="020B0603020101020101" pitchFamily="50" charset="-127"/>
+              </a:rPr>
+              <a:t>for (int i=0; i&lt;num.length; i++)</a:t>
+            </a:r>
+          </a:p>
+          <a:p>
+            <a:pPr lvl="0" eaLnBrk="0" fontAlgn="base" latinLnBrk="0" hangingPunct="0">
+              <a:spcBef>
+                <a:spcPct val="0"/>
+              </a:spcBef>
+              <a:spcAft>
+                <a:spcPct val="0"/>
+              </a:spcAft>
+            </a:pPr>
+            <a:r>
+              <a:rPr lang="ko-KR" altLang="ko-KR" sz="1400" dirty="0">
+                <a:solidFill>
+                  <a:schemeClr val="bg1"/>
+                </a:solidFill>
+                <a:latin typeface="나눔바른고딕" panose="020B0603020101020101" pitchFamily="50" charset="-127"/>
+                <a:ea typeface="나눔바른고딕" panose="020B0603020101020101" pitchFamily="50" charset="-127"/>
+              </a:rPr>
+              <a:t>System.out.println(num[i]);</a:t>
+            </a:r>
+          </a:p>
+          <a:p>
+            <a:pPr lvl="0" eaLnBrk="0" fontAlgn="base" latinLnBrk="0" hangingPunct="0">
+              <a:spcBef>
+                <a:spcPct val="0"/>
+              </a:spcBef>
+              <a:spcAft>
+                <a:spcPct val="0"/>
+              </a:spcAft>
+            </a:pPr>
+            <a:r>
+              <a:rPr lang="ko-KR" altLang="ko-KR" sz="1400" dirty="0">
+                <a:solidFill>
+                  <a:schemeClr val="bg1"/>
+                </a:solidFill>
+                <a:latin typeface="나눔바른고딕" panose="020B0603020101020101" pitchFamily="50" charset="-127"/>
+                <a:ea typeface="나눔바른고딕" panose="020B0603020101020101" pitchFamily="50" charset="-127"/>
+              </a:rPr>
+              <a:t>System.out.println();</a:t>
+            </a:r>
+          </a:p>
+          <a:p>
+            <a:pPr lvl="0" eaLnBrk="0" fontAlgn="base" latinLnBrk="0" hangingPunct="0">
+              <a:spcBef>
+                <a:spcPct val="0"/>
+              </a:spcBef>
+              <a:spcAft>
+                <a:spcPct val="0"/>
+              </a:spcAft>
+            </a:pPr>
+            <a:r>
+              <a:rPr lang="ko-KR" altLang="ko-KR" sz="1400" dirty="0">
+                <a:solidFill>
+                  <a:schemeClr val="bg1"/>
+                </a:solidFill>
+                <a:latin typeface="나눔바른고딕" panose="020B0603020101020101" pitchFamily="50" charset="-127"/>
+                <a:ea typeface="나눔바른고딕" panose="020B0603020101020101" pitchFamily="50" charset="-127"/>
+              </a:rPr>
+              <a:t>}</a:t>
+            </a:r>
+          </a:p>
+          <a:p>
+            <a:pPr lvl="0" eaLnBrk="0" fontAlgn="base" latinLnBrk="0" hangingPunct="0">
+              <a:spcBef>
+                <a:spcPct val="0"/>
+              </a:spcBef>
+              <a:spcAft>
+                <a:spcPct val="0"/>
+              </a:spcAft>
+            </a:pPr>
+            <a:r>
+              <a:rPr lang="ko-KR" altLang="ko-KR" sz="1400" dirty="0">
+                <a:solidFill>
+                  <a:schemeClr val="bg1"/>
+                </a:solidFill>
+                <a:latin typeface="나눔바른고딕" panose="020B0603020101020101" pitchFamily="50" charset="-127"/>
+                <a:ea typeface="나눔바른고딕" panose="020B0603020101020101" pitchFamily="50" charset="-127"/>
+              </a:rPr>
+              <a:t>void descend(int[] num) {</a:t>
+            </a:r>
+          </a:p>
+          <a:p>
+            <a:pPr lvl="0" eaLnBrk="0" fontAlgn="base" latinLnBrk="0" hangingPunct="0">
+              <a:spcBef>
+                <a:spcPct val="0"/>
+              </a:spcBef>
+              <a:spcAft>
+                <a:spcPct val="0"/>
+              </a:spcAft>
+            </a:pPr>
+            <a:r>
+              <a:rPr lang="ko-KR" altLang="ko-KR" sz="1400" dirty="0">
+                <a:solidFill>
+                  <a:schemeClr val="bg1"/>
+                </a:solidFill>
+                <a:latin typeface="나눔바른고딕" panose="020B0603020101020101" pitchFamily="50" charset="-127"/>
+                <a:ea typeface="나눔바른고딕" panose="020B0603020101020101" pitchFamily="50" charset="-127"/>
+              </a:rPr>
+              <a:t>Arrays.sort(num);</a:t>
+            </a:r>
+          </a:p>
+          <a:p>
+            <a:pPr lvl="0" eaLnBrk="0" fontAlgn="base" latinLnBrk="0" hangingPunct="0">
+              <a:spcBef>
+                <a:spcPct val="0"/>
+              </a:spcBef>
+              <a:spcAft>
+                <a:spcPct val="0"/>
+              </a:spcAft>
+            </a:pPr>
+            <a:r>
+              <a:rPr lang="ko-KR" altLang="ko-KR" sz="1400" dirty="0">
+                <a:solidFill>
+                  <a:schemeClr val="bg1"/>
+                </a:solidFill>
+                <a:latin typeface="나눔바른고딕" panose="020B0603020101020101" pitchFamily="50" charset="-127"/>
+                <a:ea typeface="나눔바른고딕" panose="020B0603020101020101" pitchFamily="50" charset="-127"/>
+              </a:rPr>
+              <a:t>for (int i=0; i&lt;num.length/2; i++) {</a:t>
+            </a:r>
+          </a:p>
+          <a:p>
+            <a:pPr lvl="0" eaLnBrk="0" fontAlgn="base" latinLnBrk="0" hangingPunct="0">
+              <a:spcBef>
+                <a:spcPct val="0"/>
+              </a:spcBef>
+              <a:spcAft>
+                <a:spcPct val="0"/>
+              </a:spcAft>
+            </a:pPr>
+            <a:r>
+              <a:rPr lang="ko-KR" altLang="ko-KR" sz="1400" dirty="0">
+                <a:solidFill>
+                  <a:schemeClr val="bg1"/>
+                </a:solidFill>
+                <a:latin typeface="나눔바른고딕" panose="020B0603020101020101" pitchFamily="50" charset="-127"/>
+                <a:ea typeface="나눔바른고딕" panose="020B0603020101020101" pitchFamily="50" charset="-127"/>
+              </a:rPr>
+              <a:t>int temp = num[i];</a:t>
+            </a:r>
+          </a:p>
+          <a:p>
+            <a:pPr lvl="0" eaLnBrk="0" fontAlgn="base" latinLnBrk="0" hangingPunct="0">
+              <a:spcBef>
+                <a:spcPct val="0"/>
+              </a:spcBef>
+              <a:spcAft>
+                <a:spcPct val="0"/>
+              </a:spcAft>
+            </a:pPr>
+            <a:r>
+              <a:rPr lang="ko-KR" altLang="ko-KR" sz="1400" dirty="0">
+                <a:solidFill>
+                  <a:schemeClr val="bg1"/>
+                </a:solidFill>
+                <a:latin typeface="나눔바른고딕" panose="020B0603020101020101" pitchFamily="50" charset="-127"/>
+                <a:ea typeface="나눔바른고딕" panose="020B0603020101020101" pitchFamily="50" charset="-127"/>
+              </a:rPr>
+              <a:t>num[i] = num[num.length-(1+i)];</a:t>
+            </a:r>
+          </a:p>
+          <a:p>
+            <a:pPr lvl="0" eaLnBrk="0" fontAlgn="base" latinLnBrk="0" hangingPunct="0">
+              <a:spcBef>
+                <a:spcPct val="0"/>
+              </a:spcBef>
+              <a:spcAft>
+                <a:spcPct val="0"/>
+              </a:spcAft>
+            </a:pPr>
+            <a:r>
+              <a:rPr lang="ko-KR" altLang="ko-KR" sz="1400" dirty="0">
+                <a:solidFill>
+                  <a:schemeClr val="bg1"/>
+                </a:solidFill>
+                <a:latin typeface="나눔바른고딕" panose="020B0603020101020101" pitchFamily="50" charset="-127"/>
+                <a:ea typeface="나눔바른고딕" panose="020B0603020101020101" pitchFamily="50" charset="-127"/>
+              </a:rPr>
+              <a:t>num[num.length-(1+i)] = temp;</a:t>
+            </a:r>
+          </a:p>
+          <a:p>
+            <a:pPr lvl="0" eaLnBrk="0" fontAlgn="base" latinLnBrk="0" hangingPunct="0">
+              <a:spcBef>
+                <a:spcPct val="0"/>
+              </a:spcBef>
+              <a:spcAft>
+                <a:spcPct val="0"/>
+              </a:spcAft>
+            </a:pPr>
+            <a:r>
+              <a:rPr lang="ko-KR" altLang="ko-KR" sz="1400" dirty="0">
+                <a:solidFill>
+                  <a:schemeClr val="bg1"/>
+                </a:solidFill>
+                <a:latin typeface="나눔바른고딕" panose="020B0603020101020101" pitchFamily="50" charset="-127"/>
+                <a:ea typeface="나눔바른고딕" panose="020B0603020101020101" pitchFamily="50" charset="-127"/>
+              </a:rPr>
+              <a:t>}</a:t>
+            </a:r>
+          </a:p>
+          <a:p>
+            <a:pPr lvl="0" eaLnBrk="0" fontAlgn="base" latinLnBrk="0" hangingPunct="0">
+              <a:spcBef>
+                <a:spcPct val="0"/>
+              </a:spcBef>
+              <a:spcAft>
+                <a:spcPct val="0"/>
+              </a:spcAft>
+            </a:pPr>
+            <a:r>
+              <a:rPr lang="ko-KR" altLang="ko-KR" sz="1400" dirty="0">
+                <a:solidFill>
+                  <a:schemeClr val="bg1"/>
+                </a:solidFill>
+                <a:latin typeface="나눔바른고딕" panose="020B0603020101020101" pitchFamily="50" charset="-127"/>
+                <a:ea typeface="나눔바른고딕" panose="020B0603020101020101" pitchFamily="50" charset="-127"/>
+              </a:rPr>
+              <a:t>for (int i=0; i&lt;num.length; i++)</a:t>
+            </a:r>
+          </a:p>
+          <a:p>
+            <a:pPr lvl="0" eaLnBrk="0" fontAlgn="base" latinLnBrk="0" hangingPunct="0">
+              <a:spcBef>
+                <a:spcPct val="0"/>
+              </a:spcBef>
+              <a:spcAft>
+                <a:spcPct val="0"/>
+              </a:spcAft>
+            </a:pPr>
+            <a:r>
+              <a:rPr lang="ko-KR" altLang="ko-KR" sz="1400" dirty="0">
+                <a:solidFill>
+                  <a:schemeClr val="bg1"/>
+                </a:solidFill>
+                <a:latin typeface="나눔바른고딕" panose="020B0603020101020101" pitchFamily="50" charset="-127"/>
+                <a:ea typeface="나눔바른고딕" panose="020B0603020101020101" pitchFamily="50" charset="-127"/>
+              </a:rPr>
+              <a:t>System.out.println(num[i]);</a:t>
+            </a:r>
+          </a:p>
+          <a:p>
+            <a:pPr lvl="0" eaLnBrk="0" fontAlgn="base" latinLnBrk="0" hangingPunct="0">
+              <a:spcBef>
+                <a:spcPct val="0"/>
+              </a:spcBef>
+              <a:spcAft>
+                <a:spcPct val="0"/>
+              </a:spcAft>
+            </a:pPr>
+            <a:r>
+              <a:rPr lang="ko-KR" altLang="ko-KR" sz="1400" dirty="0">
+                <a:solidFill>
+                  <a:schemeClr val="bg1"/>
+                </a:solidFill>
+                <a:latin typeface="나눔바른고딕" panose="020B0603020101020101" pitchFamily="50" charset="-127"/>
+                <a:ea typeface="나눔바른고딕" panose="020B0603020101020101" pitchFamily="50" charset="-127"/>
+              </a:rPr>
+              <a:t>System.out.println();</a:t>
+            </a:r>
+          </a:p>
+          <a:p>
+            <a:pPr lvl="0" eaLnBrk="0" fontAlgn="base" latinLnBrk="0" hangingPunct="0">
+              <a:spcBef>
+                <a:spcPct val="0"/>
+              </a:spcBef>
+              <a:spcAft>
+                <a:spcPct val="0"/>
+              </a:spcAft>
+            </a:pPr>
+            <a:r>
+              <a:rPr lang="ko-KR" altLang="ko-KR" sz="1400" dirty="0">
+                <a:solidFill>
+                  <a:schemeClr val="bg1"/>
+                </a:solidFill>
+                <a:latin typeface="나눔바른고딕" panose="020B0603020101020101" pitchFamily="50" charset="-127"/>
+                <a:ea typeface="나눔바른고딕" panose="020B0603020101020101" pitchFamily="50" charset="-127"/>
+              </a:rPr>
+              <a:t>}</a:t>
+            </a:r>
+          </a:p>
+          <a:p>
+            <a:pPr lvl="0" eaLnBrk="0" fontAlgn="base" latinLnBrk="0" hangingPunct="0">
+              <a:spcBef>
+                <a:spcPct val="0"/>
+              </a:spcBef>
+              <a:spcAft>
+                <a:spcPct val="0"/>
+              </a:spcAft>
+            </a:pPr>
+            <a:r>
+              <a:rPr lang="ko-KR" altLang="ko-KR" sz="1400" dirty="0">
+                <a:solidFill>
+                  <a:schemeClr val="bg1"/>
+                </a:solidFill>
+                <a:latin typeface="나눔바른고딕" panose="020B0603020101020101" pitchFamily="50" charset="-127"/>
+                <a:ea typeface="나눔바른고딕" panose="020B0603020101020101" pitchFamily="50" charset="-127"/>
+              </a:rPr>
+              <a:t> </a:t>
+            </a:r>
+          </a:p>
+          <a:p>
+            <a:pPr lvl="0" eaLnBrk="0" fontAlgn="base" latinLnBrk="0" hangingPunct="0">
+              <a:spcBef>
+                <a:spcPct val="0"/>
+              </a:spcBef>
+              <a:spcAft>
+                <a:spcPct val="0"/>
+              </a:spcAft>
+            </a:pPr>
+            <a:r>
+              <a:rPr lang="ko-KR" altLang="ko-KR" sz="1400" dirty="0" smtClean="0">
+                <a:solidFill>
+                  <a:schemeClr val="bg1"/>
+                </a:solidFill>
+                <a:latin typeface="나눔바른고딕" panose="020B0603020101020101" pitchFamily="50" charset="-127"/>
+                <a:ea typeface="나눔바른고딕" panose="020B0603020101020101" pitchFamily="50" charset="-127"/>
+              </a:rPr>
+              <a:t>}</a:t>
+            </a:r>
+            <a:r>
+              <a:rPr lang="en-US" altLang="ko-KR" sz="1400" dirty="0" smtClean="0">
+                <a:solidFill>
+                  <a:schemeClr val="bg1"/>
+                </a:solidFill>
+                <a:latin typeface="나눔바른고딕" panose="020B0603020101020101" pitchFamily="50" charset="-127"/>
+                <a:ea typeface="나눔바른고딕" panose="020B0603020101020101" pitchFamily="50" charset="-127"/>
+              </a:rPr>
+              <a:t>a</a:t>
+            </a:r>
+            <a:endParaRPr lang="ko-KR" altLang="ko-KR" sz="1200" dirty="0">
               <a:solidFill>
-                <a:srgbClr val="F2F45F"/>
+                <a:schemeClr val="bg1"/>
               </a:solidFill>
+              <a:latin typeface="돋움" panose="020B0600000101010101" pitchFamily="50" charset="-127"/>
+              <a:ea typeface="돋움" panose="020B0600000101010101" pitchFamily="50" charset="-127"/>
             </a:endParaRPr>
           </a:p>
         </p:txBody>
@@ -3184,22 +4752,213 @@
     </p:spTree>
     <p:extLst>
       <p:ext uri="{BB962C8B-B14F-4D97-AF65-F5344CB8AC3E}">
-        <p14:creationId xmlns:p14="http://schemas.microsoft.com/office/powerpoint/2010/main" val="1875169697"/>
+        <p14:creationId xmlns:p14="http://schemas.microsoft.com/office/powerpoint/2010/main" val="3116790833"/>
       </p:ext>
     </p:extLst>
   </p:cSld>
   <p:clrMapOvr>
     <a:masterClrMapping/>
   </p:clrMapOvr>
-  <p:transition spd="med">
-    <p:pull/>
-  </p:transition>
   <p:timing>
     <p:tnLst>
       <p:par>
-        <p:cTn id="1" dur="indefinite" restart="never" nodeType="tmRoot"/>
+        <p:cTn id="1" dur="indefinite" restart="never" nodeType="tmRoot">
+          <p:childTnLst>
+            <p:seq concurrent="1" nextAc="seek">
+              <p:cTn id="2" dur="indefinite" nodeType="mainSeq">
+                <p:childTnLst>
+                  <p:par>
+                    <p:cTn id="3" fill="hold">
+                      <p:stCondLst>
+                        <p:cond delay="indefinite"/>
+                      </p:stCondLst>
+                      <p:childTnLst>
+                        <p:par>
+                          <p:cTn id="4" fill="hold">
+                            <p:stCondLst>
+                              <p:cond delay="0"/>
+                            </p:stCondLst>
+                            <p:childTnLst>
+                              <p:par>
+                                <p:cTn id="5" presetID="10" presetClass="entr" presetSubtype="0" fill="hold" grpId="0" nodeType="clickEffect">
+                                  <p:stCondLst>
+                                    <p:cond delay="0"/>
+                                  </p:stCondLst>
+                                  <p:childTnLst>
+                                    <p:set>
+                                      <p:cBhvr>
+                                        <p:cTn id="6" dur="1" fill="hold">
+                                          <p:stCondLst>
+                                            <p:cond delay="0"/>
+                                          </p:stCondLst>
+                                        </p:cTn>
+                                        <p:tgtEl>
+                                          <p:spTgt spid="3">
+                                            <p:txEl>
+                                              <p:pRg st="0" end="0"/>
+                                            </p:txEl>
+                                          </p:spTgt>
+                                        </p:tgtEl>
+                                        <p:attrNameLst>
+                                          <p:attrName>style.visibility</p:attrName>
+                                        </p:attrNameLst>
+                                      </p:cBhvr>
+                                      <p:to>
+                                        <p:strVal val="visible"/>
+                                      </p:to>
+                                    </p:set>
+                                    <p:animEffect transition="in" filter="fade">
+                                      <p:cBhvr>
+                                        <p:cTn id="7" dur="500"/>
+                                        <p:tgtEl>
+                                          <p:spTgt spid="3">
+                                            <p:txEl>
+                                              <p:pRg st="0" end="0"/>
+                                            </p:txEl>
+                                          </p:spTgt>
+                                        </p:tgtEl>
+                                      </p:cBhvr>
+                                    </p:animEffect>
+                                  </p:childTnLst>
+                                </p:cTn>
+                              </p:par>
+                              <p:par>
+                                <p:cTn id="8" presetID="10" presetClass="entr" presetSubtype="0" fill="hold" nodeType="withEffect">
+                                  <p:stCondLst>
+                                    <p:cond delay="0"/>
+                                  </p:stCondLst>
+                                  <p:childTnLst>
+                                    <p:set>
+                                      <p:cBhvr>
+                                        <p:cTn id="9" dur="1" fill="hold">
+                                          <p:stCondLst>
+                                            <p:cond delay="0"/>
+                                          </p:stCondLst>
+                                        </p:cTn>
+                                        <p:tgtEl>
+                                          <p:spTgt spid="5"/>
+                                        </p:tgtEl>
+                                        <p:attrNameLst>
+                                          <p:attrName>style.visibility</p:attrName>
+                                        </p:attrNameLst>
+                                      </p:cBhvr>
+                                      <p:to>
+                                        <p:strVal val="visible"/>
+                                      </p:to>
+                                    </p:set>
+                                    <p:animEffect transition="in" filter="fade">
+                                      <p:cBhvr>
+                                        <p:cTn id="10" dur="500"/>
+                                        <p:tgtEl>
+                                          <p:spTgt spid="5"/>
+                                        </p:tgtEl>
+                                      </p:cBhvr>
+                                    </p:animEffect>
+                                  </p:childTnLst>
+                                </p:cTn>
+                              </p:par>
+                              <p:par>
+                                <p:cTn id="11" presetID="10" presetClass="exit" presetSubtype="0" fill="hold" grpId="0" nodeType="withEffect">
+                                  <p:stCondLst>
+                                    <p:cond delay="0"/>
+                                  </p:stCondLst>
+                                  <p:childTnLst>
+                                    <p:animEffect transition="out" filter="fade">
+                                      <p:cBhvr>
+                                        <p:cTn id="12" dur="500"/>
+                                        <p:tgtEl>
+                                          <p:spTgt spid="31"/>
+                                        </p:tgtEl>
+                                      </p:cBhvr>
+                                    </p:animEffect>
+                                    <p:set>
+                                      <p:cBhvr>
+                                        <p:cTn id="13" dur="1" fill="hold">
+                                          <p:stCondLst>
+                                            <p:cond delay="499"/>
+                                          </p:stCondLst>
+                                        </p:cTn>
+                                        <p:tgtEl>
+                                          <p:spTgt spid="31"/>
+                                        </p:tgtEl>
+                                        <p:attrNameLst>
+                                          <p:attrName>style.visibility</p:attrName>
+                                        </p:attrNameLst>
+                                      </p:cBhvr>
+                                      <p:to>
+                                        <p:strVal val="hidden"/>
+                                      </p:to>
+                                    </p:set>
+                                  </p:childTnLst>
+                                </p:cTn>
+                              </p:par>
+                              <p:par>
+                                <p:cTn id="14" presetID="10" presetClass="exit" presetSubtype="0" fill="hold" grpId="0" nodeType="withEffect">
+                                  <p:stCondLst>
+                                    <p:cond delay="0"/>
+                                  </p:stCondLst>
+                                  <p:childTnLst>
+                                    <p:animEffect transition="out" filter="fade">
+                                      <p:cBhvr>
+                                        <p:cTn id="15" dur="500"/>
+                                        <p:tgtEl>
+                                          <p:spTgt spid="24"/>
+                                        </p:tgtEl>
+                                      </p:cBhvr>
+                                    </p:animEffect>
+                                    <p:set>
+                                      <p:cBhvr>
+                                        <p:cTn id="16" dur="1" fill="hold">
+                                          <p:stCondLst>
+                                            <p:cond delay="499"/>
+                                          </p:stCondLst>
+                                        </p:cTn>
+                                        <p:tgtEl>
+                                          <p:spTgt spid="24"/>
+                                        </p:tgtEl>
+                                        <p:attrNameLst>
+                                          <p:attrName>style.visibility</p:attrName>
+                                        </p:attrNameLst>
+                                      </p:cBhvr>
+                                      <p:to>
+                                        <p:strVal val="hidden"/>
+                                      </p:to>
+                                    </p:set>
+                                  </p:childTnLst>
+                                </p:cTn>
+                              </p:par>
+                            </p:childTnLst>
+                          </p:cTn>
+                        </p:par>
+                      </p:childTnLst>
+                    </p:cTn>
+                  </p:par>
+                </p:childTnLst>
+              </p:cTn>
+              <p:prevCondLst>
+                <p:cond evt="onPrev" delay="0">
+                  <p:tgtEl>
+                    <p:sldTgt/>
+                  </p:tgtEl>
+                </p:cond>
+              </p:prevCondLst>
+              <p:nextCondLst>
+                <p:cond evt="onNext" delay="0">
+                  <p:tgtEl>
+                    <p:sldTgt/>
+                  </p:tgtEl>
+                </p:cond>
+              </p:nextCondLst>
+            </p:seq>
+          </p:childTnLst>
+        </p:cTn>
       </p:par>
     </p:tnLst>
+    <p:bldLst>
+      <p:bldP spid="3" grpId="0" build="p"/>
+      <p:bldP spid="24" grpId="0"/>
+      <p:bldP spid="31" grpId="0"/>
+    </p:bldLst>
   </p:timing>
 </p:sld>
 </file>
@@ -3228,40 +4987,654 @@
             <a:spLocks noGrp="1"/>
           </p:cNvSpPr>
           <p:nvPr>
-            <p:ph type="ctrTitle"/>
+            <p:ph type="title"/>
           </p:nvPr>
         </p:nvSpPr>
         <p:spPr/>
         <p:txBody>
-          <a:bodyPr/>
+          <a:bodyPr>
+            <a:normAutofit/>
+          </a:bodyPr>
           <a:lstStyle/>
           <a:p>
-            <a:endParaRPr lang="ko-KR" altLang="en-US" dirty="0"/>
-          </a:p>
-        </p:txBody>
-      </p:sp>
-      <p:sp>
-        <p:nvSpPr>
-          <p:cNvPr id="3" name="부제목 2"/>
-          <p:cNvSpPr>
-            <a:spLocks noGrp="1"/>
-          </p:cNvSpPr>
-          <p:nvPr>
-            <p:ph type="subTitle" idx="1"/>
+            <a:r>
+              <a:rPr lang="ko-KR" altLang="en-US" sz="3200" dirty="0" smtClean="0"/>
+              <a:t>역사</a:t>
+            </a:r>
+            <a:endParaRPr lang="ko-KR" altLang="en-US" sz="3200" dirty="0"/>
+          </a:p>
+        </p:txBody>
+      </p:sp>
+      <p:sp>
+        <p:nvSpPr>
+          <p:cNvPr id="3" name="내용 개체 틀 2"/>
+          <p:cNvSpPr>
+            <a:spLocks noGrp="1"/>
+          </p:cNvSpPr>
+          <p:nvPr>
+            <p:ph idx="1"/>
           </p:nvPr>
         </p:nvSpPr>
         <p:spPr/>
         <p:txBody>
-          <a:bodyPr/>
+          <a:bodyPr anchor="ctr">
+            <a:normAutofit/>
+          </a:bodyPr>
           <a:lstStyle/>
           <a:p>
-            <a:endParaRPr lang="ko-KR" altLang="en-US"/>
+            <a:r>
+              <a:rPr lang="ko-KR" altLang="en-US" sz="1800" b="1" dirty="0">
+                <a:solidFill>
+                  <a:schemeClr val="bg1"/>
+                </a:solidFill>
+              </a:rPr>
+              <a:t>자바</a:t>
+            </a:r>
+            <a:r>
+              <a:rPr lang="en-US" altLang="ko-KR" sz="1800" dirty="0">
+                <a:solidFill>
+                  <a:schemeClr val="bg1"/>
+                </a:solidFill>
+              </a:rPr>
+              <a:t>(</a:t>
+            </a:r>
+            <a:r>
+              <a:rPr lang="ko-KR" altLang="en-US" sz="1800" dirty="0">
+                <a:solidFill>
+                  <a:schemeClr val="bg1"/>
+                </a:solidFill>
+              </a:rPr>
+              <a:t>영어</a:t>
+            </a:r>
+            <a:r>
+              <a:rPr lang="en-US" altLang="ko-KR" sz="1800" dirty="0">
+                <a:solidFill>
+                  <a:schemeClr val="bg1"/>
+                </a:solidFill>
+              </a:rPr>
+              <a:t>: Java, </a:t>
+            </a:r>
+            <a:r>
+              <a:rPr lang="ko-KR" altLang="en-US" sz="1800" dirty="0">
+                <a:solidFill>
+                  <a:schemeClr val="bg1"/>
+                </a:solidFill>
+              </a:rPr>
+              <a:t>문화어</a:t>
+            </a:r>
+            <a:r>
+              <a:rPr lang="en-US" altLang="ko-KR" sz="1800" dirty="0">
+                <a:solidFill>
+                  <a:schemeClr val="bg1"/>
+                </a:solidFill>
+              </a:rPr>
+              <a:t>: </a:t>
+            </a:r>
+            <a:r>
+              <a:rPr lang="ko-KR" altLang="en-US" sz="1800" dirty="0" err="1">
+                <a:solidFill>
+                  <a:schemeClr val="bg1"/>
+                </a:solidFill>
+              </a:rPr>
+              <a:t>쟈바</a:t>
+            </a:r>
+            <a:r>
+              <a:rPr lang="en-US" altLang="ko-KR" sz="1800" dirty="0">
+                <a:solidFill>
+                  <a:schemeClr val="bg1"/>
+                </a:solidFill>
+              </a:rPr>
+              <a:t>)</a:t>
+            </a:r>
+            <a:r>
+              <a:rPr lang="ko-KR" altLang="en-US" sz="1800" dirty="0">
+                <a:solidFill>
+                  <a:schemeClr val="bg1"/>
+                </a:solidFill>
+              </a:rPr>
+              <a:t>는 썬 </a:t>
+            </a:r>
+            <a:r>
+              <a:rPr lang="ko-KR" altLang="en-US" sz="1800" dirty="0" err="1">
+                <a:solidFill>
+                  <a:schemeClr val="bg1"/>
+                </a:solidFill>
+              </a:rPr>
+              <a:t>마이크로시스템즈의</a:t>
+            </a:r>
+            <a:r>
+              <a:rPr lang="ko-KR" altLang="en-US" sz="1800" dirty="0">
+                <a:solidFill>
+                  <a:schemeClr val="bg1"/>
+                </a:solidFill>
+              </a:rPr>
+              <a:t> </a:t>
+            </a:r>
+            <a:r>
+              <a:rPr lang="ko-KR" altLang="en-US" sz="1800" dirty="0" err="1">
+                <a:solidFill>
+                  <a:schemeClr val="bg1"/>
+                </a:solidFill>
+              </a:rPr>
+              <a:t>제임스</a:t>
+            </a:r>
+            <a:r>
+              <a:rPr lang="ko-KR" altLang="en-US" sz="1800" dirty="0">
+                <a:solidFill>
+                  <a:schemeClr val="bg1"/>
+                </a:solidFill>
+              </a:rPr>
+              <a:t> </a:t>
+            </a:r>
+            <a:r>
+              <a:rPr lang="ko-KR" altLang="en-US" sz="1800" dirty="0" err="1">
+                <a:solidFill>
+                  <a:schemeClr val="bg1"/>
+                </a:solidFill>
+              </a:rPr>
+              <a:t>고슬링</a:t>
+            </a:r>
+            <a:r>
+              <a:rPr lang="en-US" altLang="ko-KR" sz="1800" dirty="0">
+                <a:solidFill>
+                  <a:schemeClr val="bg1"/>
+                </a:solidFill>
+              </a:rPr>
+              <a:t>(James Gosling)</a:t>
+            </a:r>
+            <a:r>
+              <a:rPr lang="ko-KR" altLang="en-US" sz="1800" dirty="0">
+                <a:solidFill>
+                  <a:schemeClr val="bg1"/>
+                </a:solidFill>
+              </a:rPr>
+              <a:t>과 다른 연구원들이 개발한 객체 지향적 프로그래밍 언어이며</a:t>
+            </a:r>
+            <a:r>
+              <a:rPr lang="en-US" altLang="ko-KR" sz="1800" dirty="0">
+                <a:solidFill>
+                  <a:schemeClr val="bg1"/>
+                </a:solidFill>
+              </a:rPr>
+              <a:t>, </a:t>
+            </a:r>
+            <a:r>
+              <a:rPr lang="ko-KR" altLang="en-US" sz="1800" dirty="0">
+                <a:solidFill>
+                  <a:schemeClr val="bg1"/>
+                </a:solidFill>
+              </a:rPr>
+              <a:t>썬 </a:t>
+            </a:r>
+            <a:r>
+              <a:rPr lang="ko-KR" altLang="en-US" sz="1800" dirty="0" err="1">
+                <a:solidFill>
+                  <a:schemeClr val="bg1"/>
+                </a:solidFill>
+              </a:rPr>
+              <a:t>마이크로시스템즈에서</a:t>
+            </a:r>
+            <a:r>
+              <a:rPr lang="ko-KR" altLang="en-US" sz="1800" dirty="0">
+                <a:solidFill>
+                  <a:schemeClr val="bg1"/>
+                </a:solidFill>
+              </a:rPr>
+              <a:t> 무료로 제공하고 있다</a:t>
+            </a:r>
+            <a:r>
+              <a:rPr lang="en-US" altLang="ko-KR" sz="1800" dirty="0">
+                <a:solidFill>
+                  <a:schemeClr val="bg1"/>
+                </a:solidFill>
+              </a:rPr>
+              <a:t>. 1991</a:t>
+            </a:r>
+            <a:r>
+              <a:rPr lang="ko-KR" altLang="en-US" sz="1800" dirty="0">
+                <a:solidFill>
+                  <a:schemeClr val="bg1"/>
+                </a:solidFill>
+              </a:rPr>
+              <a:t>년 그린 프로젝트</a:t>
+            </a:r>
+            <a:r>
+              <a:rPr lang="en-US" altLang="ko-KR" sz="1800" dirty="0">
+                <a:solidFill>
+                  <a:schemeClr val="bg1"/>
+                </a:solidFill>
+              </a:rPr>
+              <a:t>(Green Project)</a:t>
+            </a:r>
+            <a:r>
+              <a:rPr lang="ko-KR" altLang="en-US" sz="1800" dirty="0">
+                <a:solidFill>
+                  <a:schemeClr val="bg1"/>
+                </a:solidFill>
+              </a:rPr>
+              <a:t>라는 이름으로 시작해 </a:t>
+            </a:r>
+            <a:r>
+              <a:rPr lang="en-US" altLang="ko-KR" sz="1800" dirty="0">
+                <a:solidFill>
+                  <a:schemeClr val="bg1"/>
+                </a:solidFill>
+              </a:rPr>
+              <a:t>1995</a:t>
+            </a:r>
+            <a:r>
+              <a:rPr lang="ko-KR" altLang="en-US" sz="1800" dirty="0">
+                <a:solidFill>
+                  <a:schemeClr val="bg1"/>
+                </a:solidFill>
+              </a:rPr>
+              <a:t>년에 발표했다</a:t>
+            </a:r>
+            <a:r>
+              <a:rPr lang="en-US" altLang="ko-KR" sz="1800" dirty="0">
+                <a:solidFill>
+                  <a:schemeClr val="bg1"/>
+                </a:solidFill>
+              </a:rPr>
+              <a:t>. </a:t>
+            </a:r>
+            <a:r>
+              <a:rPr lang="ko-KR" altLang="en-US" sz="1800" dirty="0">
+                <a:solidFill>
+                  <a:schemeClr val="bg1"/>
+                </a:solidFill>
+              </a:rPr>
+              <a:t>처음에는 가전제품 내에 탑재해 동작하는 </a:t>
+            </a:r>
+            <a:r>
+              <a:rPr lang="ko-KR" altLang="en-US" sz="1800" dirty="0" smtClean="0">
+                <a:solidFill>
+                  <a:schemeClr val="bg1"/>
+                </a:solidFill>
+              </a:rPr>
+              <a:t>프로그램을 </a:t>
+            </a:r>
+            <a:r>
+              <a:rPr lang="ko-KR" altLang="en-US" sz="1800" dirty="0">
+                <a:solidFill>
+                  <a:schemeClr val="bg1"/>
+                </a:solidFill>
+              </a:rPr>
+              <a:t>위해 개발했지만 현재 웹 애플리케이션 개발에 가장 많이 사용하는 언어 가운데 하나이고</a:t>
+            </a:r>
+            <a:r>
+              <a:rPr lang="en-US" altLang="ko-KR" sz="1800" dirty="0">
+                <a:solidFill>
+                  <a:schemeClr val="bg1"/>
+                </a:solidFill>
+              </a:rPr>
+              <a:t>, </a:t>
+            </a:r>
+            <a:r>
+              <a:rPr lang="ko-KR" altLang="en-US" sz="1800" dirty="0" err="1">
+                <a:solidFill>
+                  <a:schemeClr val="bg1"/>
+                </a:solidFill>
+              </a:rPr>
+              <a:t>모바일</a:t>
+            </a:r>
+            <a:r>
+              <a:rPr lang="ko-KR" altLang="en-US" sz="1800" dirty="0">
+                <a:solidFill>
+                  <a:schemeClr val="bg1"/>
+                </a:solidFill>
+              </a:rPr>
+              <a:t> 기기용 소프트웨어 개발에도 널리 사용하고 있다</a:t>
+            </a:r>
+            <a:r>
+              <a:rPr lang="en-US" altLang="ko-KR" sz="1800" dirty="0">
+                <a:solidFill>
+                  <a:schemeClr val="bg1"/>
+                </a:solidFill>
+              </a:rPr>
+              <a:t>. </a:t>
+            </a:r>
+            <a:r>
+              <a:rPr lang="ko-KR" altLang="en-US" sz="1800" dirty="0">
+                <a:solidFill>
+                  <a:schemeClr val="bg1"/>
+                </a:solidFill>
+              </a:rPr>
+              <a:t>현재 버전 </a:t>
+            </a:r>
+            <a:r>
+              <a:rPr lang="en-US" altLang="ko-KR" sz="1800" dirty="0">
+                <a:solidFill>
+                  <a:schemeClr val="bg1"/>
+                </a:solidFill>
+              </a:rPr>
+              <a:t>9</a:t>
+            </a:r>
+            <a:r>
+              <a:rPr lang="ko-KR" altLang="en-US" sz="1800" dirty="0">
+                <a:solidFill>
+                  <a:schemeClr val="bg1"/>
+                </a:solidFill>
+              </a:rPr>
+              <a:t>까지 출시했다</a:t>
+            </a:r>
+            <a:r>
+              <a:rPr lang="en-US" altLang="ko-KR" sz="1800" dirty="0">
+                <a:solidFill>
+                  <a:schemeClr val="bg1"/>
+                </a:solidFill>
+              </a:rPr>
+              <a:t>.</a:t>
+            </a:r>
+          </a:p>
+          <a:p>
+            <a:r>
+              <a:rPr lang="ko-KR" altLang="en-US" sz="1800" dirty="0">
+                <a:solidFill>
+                  <a:schemeClr val="bg1"/>
+                </a:solidFill>
+              </a:rPr>
+              <a:t>자바의 개발자들은 유닉스 기반의 배경을 가지고 있었기 때문에 문법적인 특성은 파스칼이 아닌 </a:t>
+            </a:r>
+            <a:r>
+              <a:rPr lang="en-US" altLang="ko-KR" sz="1800" dirty="0">
+                <a:solidFill>
+                  <a:schemeClr val="bg1"/>
+                </a:solidFill>
+              </a:rPr>
+              <a:t>C++</a:t>
+            </a:r>
+            <a:r>
+              <a:rPr lang="ko-KR" altLang="en-US" sz="1800" dirty="0">
+                <a:solidFill>
+                  <a:schemeClr val="bg1"/>
+                </a:solidFill>
+              </a:rPr>
+              <a:t>의 조상인 </a:t>
+            </a:r>
+            <a:r>
+              <a:rPr lang="en-US" altLang="ko-KR" sz="1800" dirty="0">
+                <a:solidFill>
+                  <a:schemeClr val="bg1"/>
+                </a:solidFill>
+              </a:rPr>
+              <a:t>C </a:t>
+            </a:r>
+            <a:r>
+              <a:rPr lang="ko-KR" altLang="en-US" sz="1800" dirty="0">
+                <a:solidFill>
+                  <a:schemeClr val="bg1"/>
+                </a:solidFill>
+              </a:rPr>
+              <a:t>언어와 비슷하다</a:t>
+            </a:r>
+            <a:r>
+              <a:rPr lang="en-US" altLang="ko-KR" sz="1800" dirty="0">
+                <a:solidFill>
+                  <a:schemeClr val="bg1"/>
+                </a:solidFill>
+              </a:rPr>
+              <a:t>.</a:t>
+            </a:r>
+            <a:r>
+              <a:rPr lang="en-US" altLang="ko-KR" sz="1800" baseline="30000" dirty="0">
+                <a:solidFill>
+                  <a:schemeClr val="bg1"/>
+                </a:solidFill>
+              </a:rPr>
+              <a:t>[1]</a:t>
+            </a:r>
+            <a:r>
+              <a:rPr lang="ko-KR" altLang="en-US" sz="1800" dirty="0">
+                <a:solidFill>
+                  <a:schemeClr val="bg1"/>
+                </a:solidFill>
+              </a:rPr>
+              <a:t> </a:t>
+            </a:r>
+            <a:r>
+              <a:rPr lang="ko-KR" altLang="en-US" sz="1800" dirty="0" smtClean="0">
+                <a:solidFill>
+                  <a:schemeClr val="bg1"/>
+                </a:solidFill>
+              </a:rPr>
+              <a:t>자바를 </a:t>
+            </a:r>
+            <a:r>
+              <a:rPr lang="ko-KR" altLang="en-US" sz="1800" dirty="0">
+                <a:solidFill>
+                  <a:schemeClr val="bg1"/>
+                </a:solidFill>
+              </a:rPr>
+              <a:t>다른 컴파일언어와 </a:t>
+            </a:r>
+            <a:r>
+              <a:rPr lang="ko-KR" altLang="en-US" sz="1800" dirty="0" err="1">
+                <a:solidFill>
+                  <a:schemeClr val="bg1"/>
+                </a:solidFill>
+              </a:rPr>
+              <a:t>구분짓는</a:t>
+            </a:r>
+            <a:r>
+              <a:rPr lang="ko-KR" altLang="en-US" sz="1800" dirty="0">
+                <a:solidFill>
+                  <a:schemeClr val="bg1"/>
+                </a:solidFill>
+              </a:rPr>
+              <a:t> 가장 큰 특징은 </a:t>
+            </a:r>
+            <a:r>
+              <a:rPr lang="ko-KR" altLang="en-US" sz="1800" dirty="0" err="1">
+                <a:solidFill>
+                  <a:schemeClr val="bg1"/>
+                </a:solidFill>
+              </a:rPr>
+              <a:t>컴파일된</a:t>
+            </a:r>
+            <a:r>
+              <a:rPr lang="ko-KR" altLang="en-US" sz="1800" dirty="0">
+                <a:solidFill>
+                  <a:schemeClr val="bg1"/>
+                </a:solidFill>
+              </a:rPr>
+              <a:t> 코드가 플랫폼 독립적이라는 점이다</a:t>
+            </a:r>
+            <a:r>
+              <a:rPr lang="en-US" altLang="ko-KR" sz="1800" dirty="0">
+                <a:solidFill>
+                  <a:schemeClr val="bg1"/>
+                </a:solidFill>
+              </a:rPr>
+              <a:t>. </a:t>
+            </a:r>
+            <a:r>
+              <a:rPr lang="ko-KR" altLang="en-US" sz="1800" dirty="0">
+                <a:solidFill>
+                  <a:schemeClr val="bg1"/>
+                </a:solidFill>
+              </a:rPr>
+              <a:t>자바 컴파일러는 자바 언어로 작성된 프로그램을 바이트코드라는 특수한 바이너리 형태로 변환한다</a:t>
+            </a:r>
+            <a:r>
+              <a:rPr lang="en-US" altLang="ko-KR" sz="1800" dirty="0">
+                <a:solidFill>
+                  <a:schemeClr val="bg1"/>
+                </a:solidFill>
+              </a:rPr>
+              <a:t>. </a:t>
+            </a:r>
+            <a:r>
+              <a:rPr lang="ko-KR" altLang="en-US" sz="1800" dirty="0">
+                <a:solidFill>
+                  <a:schemeClr val="bg1"/>
+                </a:solidFill>
+              </a:rPr>
+              <a:t>바이트코드를 실행하기 위해서는 </a:t>
+            </a:r>
+            <a:r>
+              <a:rPr lang="en-US" altLang="ko-KR" sz="1800" dirty="0">
+                <a:solidFill>
+                  <a:schemeClr val="bg1"/>
+                </a:solidFill>
+              </a:rPr>
+              <a:t>JVM(</a:t>
+            </a:r>
+            <a:r>
+              <a:rPr lang="ko-KR" altLang="en-US" sz="1800" dirty="0">
+                <a:solidFill>
+                  <a:schemeClr val="bg1"/>
+                </a:solidFill>
+              </a:rPr>
+              <a:t>자바 가상 머신</a:t>
+            </a:r>
+            <a:r>
+              <a:rPr lang="en-US" altLang="ko-KR" sz="1800" dirty="0">
+                <a:solidFill>
+                  <a:schemeClr val="bg1"/>
+                </a:solidFill>
+              </a:rPr>
+              <a:t>, Java Virtual Machine)</a:t>
+            </a:r>
+            <a:r>
+              <a:rPr lang="ko-KR" altLang="en-US" sz="1800" dirty="0">
+                <a:solidFill>
+                  <a:schemeClr val="bg1"/>
+                </a:solidFill>
+              </a:rPr>
+              <a:t>이라는 특수한 가상 </a:t>
+            </a:r>
+            <a:r>
+              <a:rPr lang="ko-KR" altLang="en-US" sz="1800" dirty="0" err="1">
+                <a:solidFill>
+                  <a:schemeClr val="bg1"/>
+                </a:solidFill>
+              </a:rPr>
+              <a:t>머신이</a:t>
+            </a:r>
+            <a:r>
+              <a:rPr lang="ko-KR" altLang="en-US" sz="1800" dirty="0">
+                <a:solidFill>
+                  <a:schemeClr val="bg1"/>
+                </a:solidFill>
+              </a:rPr>
+              <a:t> 필요한데</a:t>
+            </a:r>
+            <a:r>
+              <a:rPr lang="en-US" altLang="ko-KR" sz="1800" dirty="0">
+                <a:solidFill>
+                  <a:schemeClr val="bg1"/>
+                </a:solidFill>
+              </a:rPr>
+              <a:t>, </a:t>
+            </a:r>
+            <a:r>
+              <a:rPr lang="ko-KR" altLang="en-US" sz="1800" dirty="0">
+                <a:solidFill>
+                  <a:schemeClr val="bg1"/>
+                </a:solidFill>
+              </a:rPr>
+              <a:t>이 가상 </a:t>
+            </a:r>
+            <a:r>
+              <a:rPr lang="ko-KR" altLang="en-US" sz="1800" dirty="0" err="1">
+                <a:solidFill>
+                  <a:schemeClr val="bg1"/>
+                </a:solidFill>
+              </a:rPr>
+              <a:t>머신은</a:t>
+            </a:r>
+            <a:r>
+              <a:rPr lang="ko-KR" altLang="en-US" sz="1800" dirty="0">
+                <a:solidFill>
+                  <a:schemeClr val="bg1"/>
+                </a:solidFill>
+              </a:rPr>
+              <a:t> 자바 바이트코드를 어느 플랫폼에서나 동일한 형태로 실행시킨다</a:t>
+            </a:r>
+            <a:r>
+              <a:rPr lang="en-US" altLang="ko-KR" sz="1800" dirty="0">
+                <a:solidFill>
+                  <a:schemeClr val="bg1"/>
+                </a:solidFill>
+              </a:rPr>
+              <a:t>. </a:t>
+            </a:r>
+            <a:r>
+              <a:rPr lang="ko-KR" altLang="en-US" sz="1800" dirty="0">
+                <a:solidFill>
+                  <a:schemeClr val="bg1"/>
+                </a:solidFill>
+              </a:rPr>
+              <a:t>때문에 자바로 개발된 프로그램은 </a:t>
+            </a:r>
+            <a:r>
+              <a:rPr lang="en-US" altLang="ko-KR" sz="1800" dirty="0">
+                <a:solidFill>
+                  <a:schemeClr val="bg1"/>
+                </a:solidFill>
+              </a:rPr>
+              <a:t>CPU</a:t>
+            </a:r>
+            <a:r>
+              <a:rPr lang="ko-KR" altLang="en-US" sz="1800" dirty="0">
+                <a:solidFill>
+                  <a:schemeClr val="bg1"/>
+                </a:solidFill>
+              </a:rPr>
+              <a:t>나 운영 체제의 종류에 관계없이 </a:t>
+            </a:r>
+            <a:r>
+              <a:rPr lang="en-US" altLang="ko-KR" sz="1800" dirty="0">
+                <a:solidFill>
+                  <a:schemeClr val="bg1"/>
+                </a:solidFill>
+              </a:rPr>
+              <a:t>JVM</a:t>
+            </a:r>
+            <a:r>
+              <a:rPr lang="ko-KR" altLang="en-US" sz="1800" dirty="0">
+                <a:solidFill>
+                  <a:schemeClr val="bg1"/>
+                </a:solidFill>
+              </a:rPr>
+              <a:t>을 설치할 수 있는 시스템에서는 어디서나 실행할 수 있으며</a:t>
+            </a:r>
+            <a:r>
+              <a:rPr lang="en-US" altLang="ko-KR" sz="1800" dirty="0">
+                <a:solidFill>
+                  <a:schemeClr val="bg1"/>
+                </a:solidFill>
+              </a:rPr>
+              <a:t>, </a:t>
+            </a:r>
+            <a:r>
+              <a:rPr lang="ko-KR" altLang="en-US" sz="1800" dirty="0">
+                <a:solidFill>
+                  <a:schemeClr val="bg1"/>
+                </a:solidFill>
+              </a:rPr>
+              <a:t>이 점이 웹 애플리케이션의 특성과 맞아떨어져 폭발적인 인기를 끌게 되었다</a:t>
+            </a:r>
+            <a:r>
+              <a:rPr lang="en-US" altLang="ko-KR" sz="1800" dirty="0" smtClean="0">
+                <a:solidFill>
+                  <a:schemeClr val="bg1"/>
+                </a:solidFill>
+              </a:rPr>
+              <a:t>.</a:t>
+            </a:r>
+            <a:endParaRPr lang="en-US" altLang="ko-KR" sz="1800" dirty="0">
+              <a:solidFill>
+                <a:schemeClr val="bg1"/>
+              </a:solidFill>
+            </a:endParaRPr>
           </a:p>
         </p:txBody>
       </p:sp>
       <p:pic>
         <p:nvPicPr>
-          <p:cNvPr id="4" name="그림 3"/>
+          <p:cNvPr id="5" name="그림 4"/>
           <p:cNvPicPr>
             <a:picLocks noChangeAspect="1"/>
           </p:cNvPicPr>
@@ -3281,54 +5654,1024 @@
         </p:blipFill>
         <p:spPr>
           <a:xfrm>
-            <a:off x="0" y="0"/>
-            <a:ext cx="9144000" cy="6858000"/>
+            <a:off x="2897981" y="1566837"/>
+            <a:ext cx="3348038" cy="4610126"/>
           </a:xfrm>
           <a:prstGeom prst="rect">
             <a:avLst/>
           </a:prstGeom>
         </p:spPr>
       </p:pic>
-      <p:pic>
-        <p:nvPicPr>
-          <p:cNvPr id="5" name="그림 4"/>
-          <p:cNvPicPr>
-            <a:picLocks noChangeAspect="1"/>
-          </p:cNvPicPr>
+      <p:sp>
+        <p:nvSpPr>
+          <p:cNvPr id="4" name="내용 개체 틀 2"/>
+          <p:cNvSpPr txBox="1">
+            <a:spLocks/>
+          </p:cNvSpPr>
           <p:nvPr/>
-        </p:nvPicPr>
-        <p:blipFill>
-          <a:blip r:embed="rId3">
-            <a:extLst>
-              <a:ext uri="{28A0092B-C50C-407E-A947-70E740481C1C}">
-                <a14:useLocalDpi xmlns:a14="http://schemas.microsoft.com/office/drawing/2010/main" val="0"/>
-              </a:ext>
-            </a:extLst>
-          </a:blip>
-          <a:stretch>
-            <a:fillRect/>
-          </a:stretch>
-        </p:blipFill>
+        </p:nvSpPr>
         <p:spPr>
           <a:xfrm>
-            <a:off x="0" y="0"/>
-            <a:ext cx="9144000" cy="6858000"/>
+            <a:off x="628650" y="1775002"/>
+            <a:ext cx="7886700" cy="4706773"/>
           </a:xfrm>
           <a:prstGeom prst="rect">
             <a:avLst/>
           </a:prstGeom>
         </p:spPr>
-      </p:pic>
-      <p:sp>
-        <p:nvSpPr>
-          <p:cNvPr id="6" name="TextBox 5"/>
+        <p:txBody>
+          <a:bodyPr vert="horz" lIns="91440" tIns="45720" rIns="91440" bIns="45720" rtlCol="0" anchor="ctr">
+            <a:normAutofit/>
+          </a:bodyPr>
+          <a:lstStyle>
+            <a:lvl1pPr marL="228600" indent="-228600" algn="l" defTabSz="914400" rtl="0" eaLnBrk="1" latinLnBrk="1" hangingPunct="1">
+              <a:lnSpc>
+                <a:spcPct val="90000"/>
+              </a:lnSpc>
+              <a:spcBef>
+                <a:spcPts val="1000"/>
+              </a:spcBef>
+              <a:buFont typeface="Arial" panose="020B0604020202020204" pitchFamily="34" charset="0"/>
+              <a:buChar char="•"/>
+              <a:defRPr sz="2800" kern="1200">
+                <a:solidFill>
+                  <a:srgbClr val="F2F45F"/>
+                </a:solidFill>
+                <a:latin typeface="나눔바른고딕" panose="020B0603020101020101" pitchFamily="50" charset="-127"/>
+                <a:ea typeface="나눔바른고딕" panose="020B0603020101020101" pitchFamily="50" charset="-127"/>
+                <a:cs typeface="+mn-cs"/>
+              </a:defRPr>
+            </a:lvl1pPr>
+            <a:lvl2pPr marL="685800" indent="-228600" algn="l" defTabSz="914400" rtl="0" eaLnBrk="1" latinLnBrk="1" hangingPunct="1">
+              <a:lnSpc>
+                <a:spcPct val="90000"/>
+              </a:lnSpc>
+              <a:spcBef>
+                <a:spcPts val="500"/>
+              </a:spcBef>
+              <a:buFont typeface="Arial" panose="020B0604020202020204" pitchFamily="34" charset="0"/>
+              <a:buChar char="•"/>
+              <a:defRPr sz="2400" kern="1200">
+                <a:solidFill>
+                  <a:srgbClr val="F2F45F"/>
+                </a:solidFill>
+                <a:latin typeface="나눔바른고딕" panose="020B0603020101020101" pitchFamily="50" charset="-127"/>
+                <a:ea typeface="나눔바른고딕" panose="020B0603020101020101" pitchFamily="50" charset="-127"/>
+                <a:cs typeface="+mn-cs"/>
+              </a:defRPr>
+            </a:lvl2pPr>
+            <a:lvl3pPr marL="1143000" indent="-228600" algn="l" defTabSz="914400" rtl="0" eaLnBrk="1" latinLnBrk="1" hangingPunct="1">
+              <a:lnSpc>
+                <a:spcPct val="90000"/>
+              </a:lnSpc>
+              <a:spcBef>
+                <a:spcPts val="500"/>
+              </a:spcBef>
+              <a:buFont typeface="Arial" panose="020B0604020202020204" pitchFamily="34" charset="0"/>
+              <a:buChar char="•"/>
+              <a:defRPr sz="2000" kern="1200">
+                <a:solidFill>
+                  <a:srgbClr val="F2F45F"/>
+                </a:solidFill>
+                <a:latin typeface="나눔바른고딕" panose="020B0603020101020101" pitchFamily="50" charset="-127"/>
+                <a:ea typeface="나눔바른고딕" panose="020B0603020101020101" pitchFamily="50" charset="-127"/>
+                <a:cs typeface="+mn-cs"/>
+              </a:defRPr>
+            </a:lvl3pPr>
+            <a:lvl4pPr marL="1600200" indent="-228600" algn="l" defTabSz="914400" rtl="0" eaLnBrk="1" latinLnBrk="1" hangingPunct="1">
+              <a:lnSpc>
+                <a:spcPct val="90000"/>
+              </a:lnSpc>
+              <a:spcBef>
+                <a:spcPts val="500"/>
+              </a:spcBef>
+              <a:buFont typeface="Arial" panose="020B0604020202020204" pitchFamily="34" charset="0"/>
+              <a:buChar char="•"/>
+              <a:defRPr sz="1800" kern="1200">
+                <a:solidFill>
+                  <a:srgbClr val="F2F45F"/>
+                </a:solidFill>
+                <a:latin typeface="나눔바른고딕" panose="020B0603020101020101" pitchFamily="50" charset="-127"/>
+                <a:ea typeface="나눔바른고딕" panose="020B0603020101020101" pitchFamily="50" charset="-127"/>
+                <a:cs typeface="+mn-cs"/>
+              </a:defRPr>
+            </a:lvl4pPr>
+            <a:lvl5pPr marL="2057400" indent="-228600" algn="l" defTabSz="914400" rtl="0" eaLnBrk="1" latinLnBrk="1" hangingPunct="1">
+              <a:lnSpc>
+                <a:spcPct val="90000"/>
+              </a:lnSpc>
+              <a:spcBef>
+                <a:spcPts val="500"/>
+              </a:spcBef>
+              <a:buFont typeface="Arial" panose="020B0604020202020204" pitchFamily="34" charset="0"/>
+              <a:buChar char="•"/>
+              <a:defRPr sz="1800" kern="1200">
+                <a:solidFill>
+                  <a:srgbClr val="F2F45F"/>
+                </a:solidFill>
+                <a:latin typeface="나눔바른고딕" panose="020B0603020101020101" pitchFamily="50" charset="-127"/>
+                <a:ea typeface="나눔바른고딕" panose="020B0603020101020101" pitchFamily="50" charset="-127"/>
+                <a:cs typeface="+mn-cs"/>
+              </a:defRPr>
+            </a:lvl5pPr>
+            <a:lvl6pPr marL="2514600" indent="-228600" algn="l" defTabSz="914400" rtl="0" eaLnBrk="1" latinLnBrk="1" hangingPunct="1">
+              <a:lnSpc>
+                <a:spcPct val="90000"/>
+              </a:lnSpc>
+              <a:spcBef>
+                <a:spcPts val="500"/>
+              </a:spcBef>
+              <a:buFont typeface="Arial" panose="020B0604020202020204" pitchFamily="34" charset="0"/>
+              <a:buChar char="•"/>
+              <a:defRPr sz="1800" kern="1200">
+                <a:solidFill>
+                  <a:schemeClr val="tx1"/>
+                </a:solidFill>
+                <a:latin typeface="+mn-lt"/>
+                <a:ea typeface="+mn-ea"/>
+                <a:cs typeface="+mn-cs"/>
+              </a:defRPr>
+            </a:lvl6pPr>
+            <a:lvl7pPr marL="2971800" indent="-228600" algn="l" defTabSz="914400" rtl="0" eaLnBrk="1" latinLnBrk="1" hangingPunct="1">
+              <a:lnSpc>
+                <a:spcPct val="90000"/>
+              </a:lnSpc>
+              <a:spcBef>
+                <a:spcPts val="500"/>
+              </a:spcBef>
+              <a:buFont typeface="Arial" panose="020B0604020202020204" pitchFamily="34" charset="0"/>
+              <a:buChar char="•"/>
+              <a:defRPr sz="1800" kern="1200">
+                <a:solidFill>
+                  <a:schemeClr val="tx1"/>
+                </a:solidFill>
+                <a:latin typeface="+mn-lt"/>
+                <a:ea typeface="+mn-ea"/>
+                <a:cs typeface="+mn-cs"/>
+              </a:defRPr>
+            </a:lvl7pPr>
+            <a:lvl8pPr marL="3429000" indent="-228600" algn="l" defTabSz="914400" rtl="0" eaLnBrk="1" latinLnBrk="1" hangingPunct="1">
+              <a:lnSpc>
+                <a:spcPct val="90000"/>
+              </a:lnSpc>
+              <a:spcBef>
+                <a:spcPts val="500"/>
+              </a:spcBef>
+              <a:buFont typeface="Arial" panose="020B0604020202020204" pitchFamily="34" charset="0"/>
+              <a:buChar char="•"/>
+              <a:defRPr sz="1800" kern="1200">
+                <a:solidFill>
+                  <a:schemeClr val="tx1"/>
+                </a:solidFill>
+                <a:latin typeface="+mn-lt"/>
+                <a:ea typeface="+mn-ea"/>
+                <a:cs typeface="+mn-cs"/>
+              </a:defRPr>
+            </a:lvl8pPr>
+            <a:lvl9pPr marL="3886200" indent="-228600" algn="l" defTabSz="914400" rtl="0" eaLnBrk="1" latinLnBrk="1" hangingPunct="1">
+              <a:lnSpc>
+                <a:spcPct val="90000"/>
+              </a:lnSpc>
+              <a:spcBef>
+                <a:spcPts val="500"/>
+              </a:spcBef>
+              <a:buFont typeface="Arial" panose="020B0604020202020204" pitchFamily="34" charset="0"/>
+              <a:buChar char="•"/>
+              <a:defRPr sz="1800" kern="1200">
+                <a:solidFill>
+                  <a:schemeClr val="tx1"/>
+                </a:solidFill>
+                <a:latin typeface="+mn-lt"/>
+                <a:ea typeface="+mn-ea"/>
+                <a:cs typeface="+mn-cs"/>
+              </a:defRPr>
+            </a:lvl9pPr>
+          </a:lstStyle>
+          <a:p>
+            <a:pPr marL="0" indent="0">
+              <a:buNone/>
+            </a:pPr>
+            <a:r>
+              <a:rPr lang="ko-KR" altLang="en-US" sz="11500" b="1" dirty="0" smtClean="0"/>
+              <a:t>알 필요 없다</a:t>
+            </a:r>
+            <a:r>
+              <a:rPr lang="en-US" altLang="ko-KR" sz="11500" b="1" dirty="0" smtClean="0"/>
+              <a:t>.</a:t>
+            </a:r>
+            <a:endParaRPr lang="en-US" altLang="ko-KR" sz="11500" dirty="0"/>
+          </a:p>
+        </p:txBody>
+      </p:sp>
+    </p:spTree>
+    <p:extLst>
+      <p:ext uri="{BB962C8B-B14F-4D97-AF65-F5344CB8AC3E}">
+        <p14:creationId xmlns:p14="http://schemas.microsoft.com/office/powerpoint/2010/main" val="2674157319"/>
+      </p:ext>
+    </p:extLst>
+  </p:cSld>
+  <p:clrMapOvr>
+    <a:masterClrMapping/>
+  </p:clrMapOvr>
+  <p:timing>
+    <p:tnLst>
+      <p:par>
+        <p:cTn id="1" dur="indefinite" restart="never" nodeType="tmRoot">
+          <p:childTnLst>
+            <p:seq concurrent="1" nextAc="seek">
+              <p:cTn id="2" dur="indefinite" nodeType="mainSeq">
+                <p:childTnLst>
+                  <p:par>
+                    <p:cTn id="3" fill="hold">
+                      <p:stCondLst>
+                        <p:cond delay="indefinite"/>
+                      </p:stCondLst>
+                      <p:childTnLst>
+                        <p:par>
+                          <p:cTn id="4" fill="hold">
+                            <p:stCondLst>
+                              <p:cond delay="0"/>
+                            </p:stCondLst>
+                            <p:childTnLst>
+                              <p:par>
+                                <p:cTn id="5" presetID="10" presetClass="exit" presetSubtype="0" fill="hold" grpId="0" nodeType="clickEffect">
+                                  <p:stCondLst>
+                                    <p:cond delay="0"/>
+                                  </p:stCondLst>
+                                  <p:childTnLst>
+                                    <p:animEffect transition="out" filter="fade">
+                                      <p:cBhvr>
+                                        <p:cTn id="6" dur="500"/>
+                                        <p:tgtEl>
+                                          <p:spTgt spid="3">
+                                            <p:txEl>
+                                              <p:pRg st="0" end="0"/>
+                                            </p:txEl>
+                                          </p:spTgt>
+                                        </p:tgtEl>
+                                      </p:cBhvr>
+                                    </p:animEffect>
+                                    <p:set>
+                                      <p:cBhvr>
+                                        <p:cTn id="7" dur="1" fill="hold">
+                                          <p:stCondLst>
+                                            <p:cond delay="499"/>
+                                          </p:stCondLst>
+                                        </p:cTn>
+                                        <p:tgtEl>
+                                          <p:spTgt spid="3">
+                                            <p:txEl>
+                                              <p:pRg st="0" end="0"/>
+                                            </p:txEl>
+                                          </p:spTgt>
+                                        </p:tgtEl>
+                                        <p:attrNameLst>
+                                          <p:attrName>style.visibility</p:attrName>
+                                        </p:attrNameLst>
+                                      </p:cBhvr>
+                                      <p:to>
+                                        <p:strVal val="hidden"/>
+                                      </p:to>
+                                    </p:set>
+                                  </p:childTnLst>
+                                </p:cTn>
+                              </p:par>
+                              <p:par>
+                                <p:cTn id="8" presetID="10" presetClass="exit" presetSubtype="0" fill="hold" grpId="0" nodeType="withEffect">
+                                  <p:stCondLst>
+                                    <p:cond delay="0"/>
+                                  </p:stCondLst>
+                                  <p:childTnLst>
+                                    <p:animEffect transition="out" filter="fade">
+                                      <p:cBhvr>
+                                        <p:cTn id="9" dur="500"/>
+                                        <p:tgtEl>
+                                          <p:spTgt spid="3">
+                                            <p:txEl>
+                                              <p:pRg st="1" end="1"/>
+                                            </p:txEl>
+                                          </p:spTgt>
+                                        </p:tgtEl>
+                                      </p:cBhvr>
+                                    </p:animEffect>
+                                    <p:set>
+                                      <p:cBhvr>
+                                        <p:cTn id="10" dur="1" fill="hold">
+                                          <p:stCondLst>
+                                            <p:cond delay="499"/>
+                                          </p:stCondLst>
+                                        </p:cTn>
+                                        <p:tgtEl>
+                                          <p:spTgt spid="3">
+                                            <p:txEl>
+                                              <p:pRg st="1" end="1"/>
+                                            </p:txEl>
+                                          </p:spTgt>
+                                        </p:tgtEl>
+                                        <p:attrNameLst>
+                                          <p:attrName>style.visibility</p:attrName>
+                                        </p:attrNameLst>
+                                      </p:cBhvr>
+                                      <p:to>
+                                        <p:strVal val="hidden"/>
+                                      </p:to>
+                                    </p:set>
+                                  </p:childTnLst>
+                                </p:cTn>
+                              </p:par>
+                              <p:par>
+                                <p:cTn id="11" presetID="16" presetClass="entr" presetSubtype="21" fill="hold" nodeType="withEffect">
+                                  <p:stCondLst>
+                                    <p:cond delay="0"/>
+                                  </p:stCondLst>
+                                  <p:childTnLst>
+                                    <p:set>
+                                      <p:cBhvr>
+                                        <p:cTn id="12" dur="1" fill="hold">
+                                          <p:stCondLst>
+                                            <p:cond delay="0"/>
+                                          </p:stCondLst>
+                                        </p:cTn>
+                                        <p:tgtEl>
+                                          <p:spTgt spid="5"/>
+                                        </p:tgtEl>
+                                        <p:attrNameLst>
+                                          <p:attrName>style.visibility</p:attrName>
+                                        </p:attrNameLst>
+                                      </p:cBhvr>
+                                      <p:to>
+                                        <p:strVal val="visible"/>
+                                      </p:to>
+                                    </p:set>
+                                    <p:animEffect transition="in" filter="barn(inVertical)">
+                                      <p:cBhvr>
+                                        <p:cTn id="13" dur="500"/>
+                                        <p:tgtEl>
+                                          <p:spTgt spid="5"/>
+                                        </p:tgtEl>
+                                      </p:cBhvr>
+                                    </p:animEffect>
+                                  </p:childTnLst>
+                                </p:cTn>
+                              </p:par>
+                              <p:par>
+                                <p:cTn id="14" presetID="16" presetClass="entr" presetSubtype="21" fill="hold" grpId="0" nodeType="withEffect">
+                                  <p:stCondLst>
+                                    <p:cond delay="0"/>
+                                  </p:stCondLst>
+                                  <p:childTnLst>
+                                    <p:set>
+                                      <p:cBhvr>
+                                        <p:cTn id="15" dur="1" fill="hold">
+                                          <p:stCondLst>
+                                            <p:cond delay="0"/>
+                                          </p:stCondLst>
+                                        </p:cTn>
+                                        <p:tgtEl>
+                                          <p:spTgt spid="4"/>
+                                        </p:tgtEl>
+                                        <p:attrNameLst>
+                                          <p:attrName>style.visibility</p:attrName>
+                                        </p:attrNameLst>
+                                      </p:cBhvr>
+                                      <p:to>
+                                        <p:strVal val="visible"/>
+                                      </p:to>
+                                    </p:set>
+                                    <p:animEffect transition="in" filter="barn(inVertical)">
+                                      <p:cBhvr>
+                                        <p:cTn id="16" dur="500"/>
+                                        <p:tgtEl>
+                                          <p:spTgt spid="4"/>
+                                        </p:tgtEl>
+                                      </p:cBhvr>
+                                    </p:animEffect>
+                                  </p:childTnLst>
+                                </p:cTn>
+                              </p:par>
+                            </p:childTnLst>
+                          </p:cTn>
+                        </p:par>
+                      </p:childTnLst>
+                    </p:cTn>
+                  </p:par>
+                </p:childTnLst>
+              </p:cTn>
+              <p:prevCondLst>
+                <p:cond evt="onPrev" delay="0">
+                  <p:tgtEl>
+                    <p:sldTgt/>
+                  </p:tgtEl>
+                </p:cond>
+              </p:prevCondLst>
+              <p:nextCondLst>
+                <p:cond evt="onNext" delay="0">
+                  <p:tgtEl>
+                    <p:sldTgt/>
+                  </p:tgtEl>
+                </p:cond>
+              </p:nextCondLst>
+            </p:seq>
+          </p:childTnLst>
+        </p:cTn>
+      </p:par>
+    </p:tnLst>
+    <p:bldLst>
+      <p:bldP spid="3" grpId="0" build="p"/>
+      <p:bldP spid="4" grpId="0"/>
+    </p:bldLst>
+  </p:timing>
+</p:sld>
+</file>
+
+<file path=ppt/slides/slide3.xml><?xml version="1.0" encoding="utf-8"?>
+<p:sld xmlns:a="http://schemas.openxmlformats.org/drawingml/2006/main" xmlns:r="http://schemas.openxmlformats.org/officeDocument/2006/relationships" xmlns:p="http://schemas.openxmlformats.org/presentationml/2006/main">
+  <p:cSld>
+    <p:spTree>
+      <p:nvGrpSpPr>
+        <p:cNvPr id="1" name=""/>
+        <p:cNvGrpSpPr/>
+        <p:nvPr/>
+      </p:nvGrpSpPr>
+      <p:grpSpPr>
+        <a:xfrm>
+          <a:off x="0" y="0"/>
+          <a:ext cx="0" cy="0"/>
+          <a:chOff x="0" y="0"/>
+          <a:chExt cx="0" cy="0"/>
+        </a:xfrm>
+      </p:grpSpPr>
+      <p:sp>
+        <p:nvSpPr>
+          <p:cNvPr id="2" name="제목 1"/>
+          <p:cNvSpPr>
+            <a:spLocks noGrp="1"/>
+          </p:cNvSpPr>
+          <p:nvPr>
+            <p:ph type="title"/>
+          </p:nvPr>
+        </p:nvSpPr>
+        <p:spPr/>
+        <p:txBody>
+          <a:bodyPr>
+            <a:normAutofit/>
+          </a:bodyPr>
+          <a:lstStyle/>
+          <a:p>
+            <a:r>
+              <a:rPr lang="ko-KR" altLang="en-US" sz="3200" dirty="0" smtClean="0"/>
+              <a:t>역사</a:t>
+            </a:r>
+            <a:endParaRPr lang="ko-KR" altLang="en-US" sz="3200" dirty="0"/>
+          </a:p>
+        </p:txBody>
+      </p:sp>
+      <p:sp>
+        <p:nvSpPr>
+          <p:cNvPr id="3" name="내용 개체 틀 2"/>
+          <p:cNvSpPr>
+            <a:spLocks noGrp="1"/>
+          </p:cNvSpPr>
+          <p:nvPr>
+            <p:ph idx="1"/>
+          </p:nvPr>
+        </p:nvSpPr>
+        <p:spPr/>
+        <p:txBody>
+          <a:bodyPr anchor="ctr">
+            <a:normAutofit/>
+          </a:bodyPr>
+          <a:lstStyle/>
+          <a:p>
+            <a:pPr marL="457200" indent="-457200">
+              <a:buFont typeface="Arial" panose="020B0604020202020204" pitchFamily="34" charset="0"/>
+              <a:buChar char="•"/>
+            </a:pPr>
+            <a:r>
+              <a:rPr lang="ko-KR" altLang="en-US" dirty="0" err="1" smtClean="0"/>
+              <a:t>제임스</a:t>
+            </a:r>
+            <a:r>
+              <a:rPr lang="ko-KR" altLang="en-US" dirty="0" smtClean="0"/>
+              <a:t> </a:t>
+            </a:r>
+            <a:r>
+              <a:rPr lang="ko-KR" altLang="en-US" dirty="0" err="1" smtClean="0"/>
+              <a:t>고슬링</a:t>
+            </a:r>
+            <a:endParaRPr lang="en-US" altLang="ko-KR" dirty="0" smtClean="0"/>
+          </a:p>
+          <a:p>
+            <a:pPr marL="457200" indent="-457200">
+              <a:buFont typeface="Arial" panose="020B0604020202020204" pitchFamily="34" charset="0"/>
+              <a:buChar char="•"/>
+            </a:pPr>
+            <a:endParaRPr lang="en-US" altLang="ko-KR" dirty="0"/>
+          </a:p>
+          <a:p>
+            <a:pPr marL="457200" indent="-457200">
+              <a:buFont typeface="Arial" panose="020B0604020202020204" pitchFamily="34" charset="0"/>
+              <a:buChar char="•"/>
+            </a:pPr>
+            <a:endParaRPr lang="en-US" altLang="ko-KR" dirty="0"/>
+          </a:p>
+          <a:p>
+            <a:pPr marL="457200" indent="-457200">
+              <a:buFont typeface="Arial" panose="020B0604020202020204" pitchFamily="34" charset="0"/>
+              <a:buChar char="•"/>
+            </a:pPr>
+            <a:r>
+              <a:rPr lang="ko-KR" altLang="en-US" dirty="0" smtClean="0"/>
+              <a:t>썬 마이크로 </a:t>
+            </a:r>
+            <a:r>
+              <a:rPr lang="ko-KR" altLang="en-US" dirty="0" err="1" smtClean="0"/>
+              <a:t>시스템즈</a:t>
+            </a:r>
+            <a:r>
+              <a:rPr lang="ko-KR" altLang="en-US" dirty="0" smtClean="0"/>
+              <a:t> </a:t>
+            </a:r>
+            <a:r>
+              <a:rPr lang="en-US" altLang="ko-KR" dirty="0" smtClean="0"/>
+              <a:t>-&gt; </a:t>
+            </a:r>
+            <a:r>
+              <a:rPr lang="ko-KR" altLang="en-US" dirty="0" err="1" smtClean="0"/>
+              <a:t>오라클</a:t>
+            </a:r>
+            <a:r>
+              <a:rPr lang="en-US" altLang="ko-KR" dirty="0" smtClean="0">
+                <a:solidFill>
+                  <a:schemeClr val="bg1"/>
+                </a:solidFill>
+              </a:rPr>
+              <a:t>//</a:t>
+            </a:r>
+            <a:r>
+              <a:rPr lang="ko-KR" altLang="en-US" dirty="0" smtClean="0">
+                <a:solidFill>
+                  <a:schemeClr val="bg1"/>
+                </a:solidFill>
+              </a:rPr>
+              <a:t>의 영약 </a:t>
+            </a:r>
+            <a:r>
+              <a:rPr lang="en-US" altLang="ko-KR" dirty="0" smtClean="0">
+                <a:solidFill>
+                  <a:schemeClr val="bg1"/>
+                </a:solidFill>
+              </a:rPr>
+              <a:t>:3 by.</a:t>
+            </a:r>
+            <a:r>
+              <a:rPr lang="ko-KR" altLang="en-US" dirty="0" smtClean="0">
+                <a:solidFill>
+                  <a:schemeClr val="bg1"/>
+                </a:solidFill>
+              </a:rPr>
+              <a:t>햄</a:t>
+            </a:r>
+            <a:endParaRPr lang="en-US" altLang="ko-KR" dirty="0" smtClean="0">
+              <a:solidFill>
+                <a:schemeClr val="bg1"/>
+              </a:solidFill>
+            </a:endParaRPr>
+          </a:p>
+          <a:p>
+            <a:pPr marL="457200" indent="-457200">
+              <a:buFont typeface="Arial" panose="020B0604020202020204" pitchFamily="34" charset="0"/>
+              <a:buChar char="•"/>
+            </a:pPr>
+            <a:endParaRPr lang="en-US" altLang="ko-KR" dirty="0" smtClean="0"/>
+          </a:p>
+          <a:p>
+            <a:pPr marL="457200" indent="-457200">
+              <a:buFont typeface="Arial" panose="020B0604020202020204" pitchFamily="34" charset="0"/>
+              <a:buChar char="•"/>
+            </a:pPr>
+            <a:endParaRPr lang="en-US" altLang="ko-KR" dirty="0"/>
+          </a:p>
+          <a:p>
+            <a:pPr marL="457200" indent="-457200">
+              <a:buFont typeface="Arial" panose="020B0604020202020204" pitchFamily="34" charset="0"/>
+              <a:buChar char="•"/>
+            </a:pPr>
+            <a:r>
+              <a:rPr lang="ko-KR" altLang="en-US" dirty="0" smtClean="0"/>
+              <a:t>애플릿</a:t>
+            </a:r>
+            <a:endParaRPr lang="en-US" altLang="ko-KR" dirty="0"/>
+          </a:p>
+        </p:txBody>
+      </p:sp>
+    </p:spTree>
+    <p:extLst>
+      <p:ext uri="{BB962C8B-B14F-4D97-AF65-F5344CB8AC3E}">
+        <p14:creationId xmlns:p14="http://schemas.microsoft.com/office/powerpoint/2010/main" val="2039201974"/>
+      </p:ext>
+    </p:extLst>
+  </p:cSld>
+  <p:clrMapOvr>
+    <a:masterClrMapping/>
+  </p:clrMapOvr>
+  <p:timing>
+    <p:tnLst>
+      <p:par>
+        <p:cTn id="1" dur="indefinite" restart="never" nodeType="tmRoot"/>
+      </p:par>
+    </p:tnLst>
+  </p:timing>
+</p:sld>
+</file>
+
+<file path=ppt/slides/slide4.xml><?xml version="1.0" encoding="utf-8"?>
+<p:sld xmlns:a="http://schemas.openxmlformats.org/drawingml/2006/main" xmlns:r="http://schemas.openxmlformats.org/officeDocument/2006/relationships" xmlns:p="http://schemas.openxmlformats.org/presentationml/2006/main">
+  <p:cSld>
+    <p:spTree>
+      <p:nvGrpSpPr>
+        <p:cNvPr id="1" name=""/>
+        <p:cNvGrpSpPr/>
+        <p:nvPr/>
+      </p:nvGrpSpPr>
+      <p:grpSpPr>
+        <a:xfrm>
+          <a:off x="0" y="0"/>
+          <a:ext cx="0" cy="0"/>
+          <a:chOff x="0" y="0"/>
+          <a:chExt cx="0" cy="0"/>
+        </a:xfrm>
+      </p:grpSpPr>
+      <p:sp>
+        <p:nvSpPr>
+          <p:cNvPr id="2" name="제목 1"/>
+          <p:cNvSpPr>
+            <a:spLocks noGrp="1"/>
+          </p:cNvSpPr>
+          <p:nvPr>
+            <p:ph type="title"/>
+          </p:nvPr>
+        </p:nvSpPr>
+        <p:spPr/>
+        <p:txBody>
+          <a:bodyPr>
+            <a:normAutofit/>
+          </a:bodyPr>
+          <a:lstStyle/>
+          <a:p>
+            <a:r>
+              <a:rPr lang="ko-KR" altLang="en-US" sz="3200" dirty="0" smtClean="0"/>
+              <a:t>객체지향</a:t>
+            </a:r>
+            <a:endParaRPr lang="ko-KR" altLang="en-US" sz="3200" dirty="0"/>
+          </a:p>
+        </p:txBody>
+      </p:sp>
+      <p:sp>
+        <p:nvSpPr>
+          <p:cNvPr id="3" name="내용 개체 틀 2"/>
+          <p:cNvSpPr>
+            <a:spLocks noGrp="1"/>
+          </p:cNvSpPr>
+          <p:nvPr>
+            <p:ph idx="1"/>
+          </p:nvPr>
+        </p:nvSpPr>
+        <p:spPr/>
+        <p:txBody>
+          <a:bodyPr anchor="ctr">
+            <a:noAutofit/>
+          </a:bodyPr>
+          <a:lstStyle/>
+          <a:p>
+            <a:pPr marL="457200" indent="-457200">
+              <a:buFont typeface="Arial" panose="020B0604020202020204" pitchFamily="34" charset="0"/>
+              <a:buChar char="•"/>
+            </a:pPr>
+            <a:r>
+              <a:rPr lang="ko-KR" altLang="en-US" dirty="0" smtClean="0"/>
+              <a:t>객체</a:t>
+            </a:r>
+            <a:endParaRPr lang="en-US" altLang="ko-KR" dirty="0" smtClean="0"/>
+          </a:p>
+          <a:p>
+            <a:pPr marL="457200" indent="-457200">
+              <a:buFont typeface="Arial" panose="020B0604020202020204" pitchFamily="34" charset="0"/>
+              <a:buChar char="•"/>
+            </a:pPr>
+            <a:endParaRPr lang="en-US" altLang="ko-KR" dirty="0"/>
+          </a:p>
+          <a:p>
+            <a:pPr marL="457200" indent="-457200">
+              <a:buFont typeface="Arial" panose="020B0604020202020204" pitchFamily="34" charset="0"/>
+              <a:buChar char="•"/>
+            </a:pPr>
+            <a:r>
+              <a:rPr lang="ko-KR" altLang="en-US" dirty="0" smtClean="0"/>
+              <a:t>데이터 중심</a:t>
+            </a:r>
+            <a:endParaRPr lang="en-US" altLang="ko-KR" dirty="0" smtClean="0"/>
+          </a:p>
+          <a:p>
+            <a:pPr marL="457200" indent="-457200">
+              <a:buFont typeface="Arial" panose="020B0604020202020204" pitchFamily="34" charset="0"/>
+              <a:buChar char="•"/>
+            </a:pPr>
+            <a:endParaRPr lang="en-US" altLang="ko-KR" dirty="0"/>
+          </a:p>
+          <a:p>
+            <a:pPr marL="457200" indent="-457200">
+              <a:buFont typeface="Arial" panose="020B0604020202020204" pitchFamily="34" charset="0"/>
+              <a:buChar char="•"/>
+            </a:pPr>
+            <a:r>
+              <a:rPr lang="ko-KR" altLang="en-US" dirty="0" err="1" smtClean="0"/>
+              <a:t>메서드가</a:t>
+            </a:r>
+            <a:r>
+              <a:rPr lang="ko-KR" altLang="en-US" dirty="0" smtClean="0"/>
+              <a:t> 데이터에 접근</a:t>
+            </a:r>
+            <a:endParaRPr lang="en-US" altLang="ko-KR" dirty="0" smtClean="0"/>
+          </a:p>
+          <a:p>
+            <a:pPr marL="457200" indent="-457200">
+              <a:buFont typeface="Arial" panose="020B0604020202020204" pitchFamily="34" charset="0"/>
+              <a:buChar char="•"/>
+            </a:pPr>
+            <a:endParaRPr lang="en-US" altLang="ko-KR" dirty="0"/>
+          </a:p>
+          <a:p>
+            <a:pPr marL="457200" indent="-457200">
+              <a:buFont typeface="Arial" panose="020B0604020202020204" pitchFamily="34" charset="0"/>
+              <a:buChar char="•"/>
+            </a:pPr>
+            <a:r>
+              <a:rPr lang="ko-KR" altLang="en-US" dirty="0" smtClean="0"/>
+              <a:t>캡슐화</a:t>
+            </a:r>
+            <a:r>
+              <a:rPr lang="en-US" altLang="ko-KR" dirty="0" smtClean="0"/>
+              <a:t>, </a:t>
+            </a:r>
+            <a:r>
+              <a:rPr lang="ko-KR" altLang="en-US" dirty="0" err="1" smtClean="0"/>
+              <a:t>다형성</a:t>
+            </a:r>
+            <a:r>
+              <a:rPr lang="en-US" altLang="ko-KR" dirty="0" smtClean="0"/>
+              <a:t>, </a:t>
+            </a:r>
+            <a:r>
+              <a:rPr lang="ko-KR" altLang="en-US" dirty="0" smtClean="0"/>
+              <a:t>상속</a:t>
+            </a:r>
+            <a:endParaRPr lang="en-US" altLang="ko-KR" dirty="0" smtClean="0"/>
+          </a:p>
+          <a:p>
+            <a:pPr marL="457200" indent="-457200">
+              <a:buFont typeface="Arial" panose="020B0604020202020204" pitchFamily="34" charset="0"/>
+              <a:buChar char="•"/>
+            </a:pPr>
+            <a:endParaRPr lang="en-US" altLang="ko-KR" dirty="0" smtClean="0"/>
+          </a:p>
+        </p:txBody>
+      </p:sp>
+    </p:spTree>
+    <p:extLst>
+      <p:ext uri="{BB962C8B-B14F-4D97-AF65-F5344CB8AC3E}">
+        <p14:creationId xmlns:p14="http://schemas.microsoft.com/office/powerpoint/2010/main" val="1247863611"/>
+      </p:ext>
+    </p:extLst>
+  </p:cSld>
+  <p:clrMapOvr>
+    <a:masterClrMapping/>
+  </p:clrMapOvr>
+  <p:timing>
+    <p:tnLst>
+      <p:par>
+        <p:cTn id="1" dur="indefinite" restart="never" nodeType="tmRoot"/>
+      </p:par>
+    </p:tnLst>
+  </p:timing>
+</p:sld>
+</file>
+
+<file path=ppt/slides/slide5.xml><?xml version="1.0" encoding="utf-8"?>
+<p:sld xmlns:a="http://schemas.openxmlformats.org/drawingml/2006/main" xmlns:r="http://schemas.openxmlformats.org/officeDocument/2006/relationships" xmlns:p="http://schemas.openxmlformats.org/presentationml/2006/main">
+  <p:cSld>
+    <p:spTree>
+      <p:nvGrpSpPr>
+        <p:cNvPr id="1" name=""/>
+        <p:cNvGrpSpPr/>
+        <p:nvPr/>
+      </p:nvGrpSpPr>
+      <p:grpSpPr>
+        <a:xfrm>
+          <a:off x="0" y="0"/>
+          <a:ext cx="0" cy="0"/>
+          <a:chOff x="0" y="0"/>
+          <a:chExt cx="0" cy="0"/>
+        </a:xfrm>
+      </p:grpSpPr>
+      <p:sp>
+        <p:nvSpPr>
+          <p:cNvPr id="2" name="제목 1"/>
+          <p:cNvSpPr>
+            <a:spLocks noGrp="1"/>
+          </p:cNvSpPr>
+          <p:nvPr>
+            <p:ph type="title"/>
+          </p:nvPr>
+        </p:nvSpPr>
+        <p:spPr/>
+        <p:txBody>
+          <a:bodyPr>
+            <a:normAutofit/>
+          </a:bodyPr>
+          <a:lstStyle/>
+          <a:p>
+            <a:r>
+              <a:rPr lang="ko-KR" altLang="en-US" sz="3200" dirty="0" smtClean="0"/>
+              <a:t>절차지향</a:t>
+            </a:r>
+            <a:endParaRPr lang="ko-KR" altLang="en-US" sz="3200" dirty="0"/>
+          </a:p>
+        </p:txBody>
+      </p:sp>
+      <p:sp>
+        <p:nvSpPr>
+          <p:cNvPr id="3" name="내용 개체 틀 2"/>
+          <p:cNvSpPr>
+            <a:spLocks noGrp="1"/>
+          </p:cNvSpPr>
+          <p:nvPr>
+            <p:ph idx="1"/>
+          </p:nvPr>
+        </p:nvSpPr>
+        <p:spPr/>
+        <p:txBody>
+          <a:bodyPr anchor="ctr">
+            <a:noAutofit/>
+          </a:bodyPr>
+          <a:lstStyle/>
+          <a:p>
+            <a:pPr marL="457200" indent="-457200">
+              <a:buFont typeface="Arial" panose="020B0604020202020204" pitchFamily="34" charset="0"/>
+              <a:buChar char="•"/>
+            </a:pPr>
+            <a:r>
+              <a:rPr lang="ko-KR" altLang="en-US" dirty="0" smtClean="0"/>
+              <a:t>코드로 명령을 하면 순서대로</a:t>
+            </a:r>
+            <a:r>
+              <a:rPr lang="en-US" altLang="ko-KR" dirty="0" smtClean="0"/>
+              <a:t>(</a:t>
+            </a:r>
+            <a:r>
+              <a:rPr lang="ko-KR" altLang="en-US" dirty="0" smtClean="0"/>
+              <a:t>순차적</a:t>
+            </a:r>
+            <a:r>
+              <a:rPr lang="en-US" altLang="ko-KR" dirty="0" smtClean="0"/>
+              <a:t>)</a:t>
+            </a:r>
+            <a:r>
+              <a:rPr lang="ko-KR" altLang="en-US" dirty="0" smtClean="0"/>
+              <a:t> 읽는다</a:t>
+            </a:r>
+            <a:r>
+              <a:rPr lang="en-US" altLang="ko-KR" dirty="0" smtClean="0"/>
+              <a:t>.</a:t>
+            </a:r>
+          </a:p>
+          <a:p>
+            <a:pPr marL="457200" indent="-457200">
+              <a:buFont typeface="Arial" panose="020B0604020202020204" pitchFamily="34" charset="0"/>
+              <a:buChar char="•"/>
+            </a:pPr>
+            <a:endParaRPr lang="en-US" altLang="ko-KR" dirty="0"/>
+          </a:p>
+          <a:p>
+            <a:pPr marL="457200" indent="-457200">
+              <a:buFont typeface="Arial" panose="020B0604020202020204" pitchFamily="34" charset="0"/>
+              <a:buChar char="•"/>
+            </a:pPr>
+            <a:r>
+              <a:rPr lang="ko-KR" altLang="en-US" dirty="0" smtClean="0"/>
+              <a:t>모듈화를 하거나 구조화를 할 수 있다</a:t>
+            </a:r>
+            <a:r>
+              <a:rPr lang="en-US" altLang="ko-KR" dirty="0" smtClean="0"/>
+              <a:t>. (</a:t>
+            </a:r>
+            <a:r>
+              <a:rPr lang="ko-KR" altLang="en-US" dirty="0" smtClean="0"/>
+              <a:t>구조체</a:t>
+            </a:r>
+            <a:r>
+              <a:rPr lang="en-US" altLang="ko-KR" dirty="0" smtClean="0"/>
+              <a:t>)</a:t>
+            </a:r>
+          </a:p>
+          <a:p>
+            <a:pPr marL="457200" indent="-457200">
+              <a:buFont typeface="Arial" panose="020B0604020202020204" pitchFamily="34" charset="0"/>
+              <a:buChar char="•"/>
+            </a:pPr>
+            <a:endParaRPr lang="en-US" altLang="ko-KR" dirty="0"/>
+          </a:p>
+          <a:p>
+            <a:pPr marL="457200" indent="-457200">
+              <a:buFont typeface="Arial" panose="020B0604020202020204" pitchFamily="34" charset="0"/>
+              <a:buChar char="•"/>
+            </a:pPr>
+            <a:endParaRPr lang="en-US" altLang="ko-KR" dirty="0" smtClean="0"/>
+          </a:p>
+        </p:txBody>
+      </p:sp>
+    </p:spTree>
+    <p:extLst>
+      <p:ext uri="{BB962C8B-B14F-4D97-AF65-F5344CB8AC3E}">
+        <p14:creationId xmlns:p14="http://schemas.microsoft.com/office/powerpoint/2010/main" val="2325192195"/>
+      </p:ext>
+    </p:extLst>
+  </p:cSld>
+  <p:clrMapOvr>
+    <a:masterClrMapping/>
+  </p:clrMapOvr>
+  <p:timing>
+    <p:tnLst>
+      <p:par>
+        <p:cTn id="1" dur="indefinite" restart="never" nodeType="tmRoot"/>
+      </p:par>
+    </p:tnLst>
+  </p:timing>
+</p:sld>
+</file>
+
+<file path=ppt/slides/slide6.xml><?xml version="1.0" encoding="utf-8"?>
+<p:sld xmlns:a="http://schemas.openxmlformats.org/drawingml/2006/main" xmlns:r="http://schemas.openxmlformats.org/officeDocument/2006/relationships" xmlns:p="http://schemas.openxmlformats.org/presentationml/2006/main">
+  <p:cSld>
+    <p:spTree>
+      <p:nvGrpSpPr>
+        <p:cNvPr id="1" name=""/>
+        <p:cNvGrpSpPr/>
+        <p:nvPr/>
+      </p:nvGrpSpPr>
+      <p:grpSpPr>
+        <a:xfrm>
+          <a:off x="0" y="0"/>
+          <a:ext cx="0" cy="0"/>
+          <a:chOff x="0" y="0"/>
+          <a:chExt cx="0" cy="0"/>
+        </a:xfrm>
+      </p:grpSpPr>
+      <p:sp>
+        <p:nvSpPr>
+          <p:cNvPr id="2" name="제목 1"/>
+          <p:cNvSpPr>
+            <a:spLocks noGrp="1"/>
+          </p:cNvSpPr>
+          <p:nvPr>
+            <p:ph type="title"/>
+          </p:nvPr>
+        </p:nvSpPr>
+        <p:spPr/>
+        <p:txBody>
+          <a:bodyPr>
+            <a:normAutofit/>
+          </a:bodyPr>
+          <a:lstStyle/>
+          <a:p>
+            <a:r>
+              <a:rPr lang="ko-KR" altLang="en-US" sz="3200" dirty="0" smtClean="0"/>
+              <a:t>객체</a:t>
+            </a:r>
+            <a:r>
+              <a:rPr lang="en-US" altLang="ko-KR" sz="3200" dirty="0" err="1" smtClean="0"/>
+              <a:t>vs</a:t>
+            </a:r>
+            <a:r>
+              <a:rPr lang="ko-KR" altLang="en-US" sz="3200" dirty="0" smtClean="0"/>
+              <a:t>절차</a:t>
+            </a:r>
+            <a:endParaRPr lang="ko-KR" altLang="en-US" sz="3200" dirty="0"/>
+          </a:p>
+        </p:txBody>
+      </p:sp>
+      <p:sp>
+        <p:nvSpPr>
+          <p:cNvPr id="3" name="TextBox 2">
+            <a:hlinkClick r:id="rId2" action="ppaction://hlinkpres?slideindex=1&amp;slidetitle="/>
+          </p:cNvPr>
           <p:cNvSpPr txBox="1"/>
           <p:nvPr/>
         </p:nvSpPr>
         <p:spPr>
           <a:xfrm>
-            <a:off x="2673178" y="2551837"/>
-            <a:ext cx="3797643" cy="1754326"/>
+            <a:off x="2538248" y="3184634"/>
+            <a:ext cx="4729655" cy="830997"/>
           </a:xfrm>
           <a:prstGeom prst="rect">
             <a:avLst/>
@@ -3343,17 +6686,41 @@
           <a:p>
             <a:pPr algn="ctr"/>
             <a:r>
-              <a:rPr lang="en-US" altLang="ko-KR" sz="10800" dirty="0" smtClean="0">
-                <a:solidFill>
-                  <a:srgbClr val="F2F45F"/>
-                </a:solidFill>
-              </a:rPr>
-              <a:t>JAVA</a:t>
-            </a:r>
-            <a:endParaRPr lang="ko-KR" altLang="en-US" sz="10800" dirty="0">
+              <a:rPr lang="ko-KR" altLang="en-US" sz="4800" smtClean="0">
+                <a:solidFill>
+                  <a:schemeClr val="bg1"/>
+                </a:solidFill>
+                <a:latin typeface="나눔바른고딕" panose="020B0603020101020101" pitchFamily="50" charset="-127"/>
+                <a:ea typeface="나눔바른고딕" panose="020B0603020101020101" pitchFamily="50" charset="-127"/>
+              </a:rPr>
+              <a:t>다른</a:t>
+            </a:r>
+            <a:r>
+              <a:rPr lang="en-US" altLang="ko-KR" sz="4800" dirty="0" smtClean="0">
+                <a:solidFill>
+                  <a:schemeClr val="bg1"/>
+                </a:solidFill>
+                <a:latin typeface="나눔바른고딕" panose="020B0603020101020101" pitchFamily="50" charset="-127"/>
+                <a:ea typeface="나눔바른고딕" panose="020B0603020101020101" pitchFamily="50" charset="-127"/>
+              </a:rPr>
+              <a:t> </a:t>
+            </a:r>
+            <a:r>
+              <a:rPr lang="ko-KR" altLang="en-US" sz="4800" dirty="0" err="1" smtClean="0">
+                <a:solidFill>
+                  <a:schemeClr val="bg1"/>
+                </a:solidFill>
+                <a:latin typeface="나눔바른고딕" panose="020B0603020101020101" pitchFamily="50" charset="-127"/>
+                <a:ea typeface="나눔바른고딕" panose="020B0603020101020101" pitchFamily="50" charset="-127"/>
+              </a:rPr>
+              <a:t>피피티로</a:t>
+            </a:r>
+            <a:endParaRPr lang="ko-KR" altLang="en-US" sz="4800" dirty="0">
               <a:solidFill>
-                <a:srgbClr val="F2F45F"/>
+                <a:schemeClr val="bg1"/>
               </a:solidFill>
+              <a:latin typeface="나눔바른고딕" panose="020B0603020101020101" pitchFamily="50" charset="-127"/>
+              <a:ea typeface="나눔바른고딕" panose="020B0603020101020101" pitchFamily="50" charset="-127"/>
             </a:endParaRPr>
           </a:p>
         </p:txBody>
@@ -3361,16 +6728,574 @@
     </p:spTree>
     <p:extLst>
       <p:ext uri="{BB962C8B-B14F-4D97-AF65-F5344CB8AC3E}">
-        <p14:creationId xmlns:p14="http://schemas.microsoft.com/office/powerpoint/2010/main" val="2045201509"/>
+        <p14:creationId xmlns:p14="http://schemas.microsoft.com/office/powerpoint/2010/main" val="2886991764"/>
       </p:ext>
     </p:extLst>
   </p:cSld>
   <p:clrMapOvr>
     <a:masterClrMapping/>
   </p:clrMapOvr>
-  <p:transition spd="med">
-    <p:pull/>
-  </p:transition>
+  <p:timing>
+    <p:tnLst>
+      <p:par>
+        <p:cTn id="1" dur="indefinite" restart="never" nodeType="tmRoot"/>
+      </p:par>
+    </p:tnLst>
+  </p:timing>
+</p:sld>
+</file>
+
+<file path=ppt/slides/slide7.xml><?xml version="1.0" encoding="utf-8"?>
+<p:sld xmlns:a="http://schemas.openxmlformats.org/drawingml/2006/main" xmlns:r="http://schemas.openxmlformats.org/officeDocument/2006/relationships" xmlns:p="http://schemas.openxmlformats.org/presentationml/2006/main">
+  <p:cSld>
+    <p:spTree>
+      <p:nvGrpSpPr>
+        <p:cNvPr id="1" name=""/>
+        <p:cNvGrpSpPr/>
+        <p:nvPr/>
+      </p:nvGrpSpPr>
+      <p:grpSpPr>
+        <a:xfrm>
+          <a:off x="0" y="0"/>
+          <a:ext cx="0" cy="0"/>
+          <a:chOff x="0" y="0"/>
+          <a:chExt cx="0" cy="0"/>
+        </a:xfrm>
+      </p:grpSpPr>
+      <p:sp>
+        <p:nvSpPr>
+          <p:cNvPr id="2" name="제목 1"/>
+          <p:cNvSpPr>
+            <a:spLocks noGrp="1"/>
+          </p:cNvSpPr>
+          <p:nvPr>
+            <p:ph type="title"/>
+          </p:nvPr>
+        </p:nvSpPr>
+        <p:spPr/>
+        <p:txBody>
+          <a:bodyPr>
+            <a:normAutofit/>
+          </a:bodyPr>
+          <a:lstStyle/>
+          <a:p>
+            <a:r>
+              <a:rPr lang="ko-KR" altLang="en-US" dirty="0" smtClean="0"/>
+              <a:t>개발환경</a:t>
+            </a:r>
+            <a:endParaRPr lang="ko-KR" altLang="en-US" sz="3200" dirty="0"/>
+          </a:p>
+        </p:txBody>
+      </p:sp>
+      <p:sp>
+        <p:nvSpPr>
+          <p:cNvPr id="3" name="내용 개체 틀 2"/>
+          <p:cNvSpPr>
+            <a:spLocks noGrp="1"/>
+          </p:cNvSpPr>
+          <p:nvPr>
+            <p:ph idx="1"/>
+          </p:nvPr>
+        </p:nvSpPr>
+        <p:spPr/>
+        <p:txBody>
+          <a:bodyPr anchor="ctr">
+            <a:noAutofit/>
+          </a:bodyPr>
+          <a:lstStyle/>
+          <a:p>
+            <a:pPr marL="457200" indent="-457200">
+              <a:buFont typeface="Arial" panose="020B0604020202020204" pitchFamily="34" charset="0"/>
+              <a:buChar char="•"/>
+            </a:pPr>
+            <a:r>
+              <a:rPr lang="ko-KR" altLang="en-US" sz="5400" b="1" dirty="0" smtClean="0"/>
+              <a:t>메모장</a:t>
+            </a:r>
+            <a:r>
+              <a:rPr lang="en-US" altLang="ko-KR" sz="5400" b="1" dirty="0" smtClean="0"/>
+              <a:t>!!</a:t>
+            </a:r>
+          </a:p>
+          <a:p>
+            <a:r>
+              <a:rPr lang="en-US" altLang="ko-KR" dirty="0" smtClean="0">
+                <a:solidFill>
+                  <a:schemeClr val="bg1"/>
+                </a:solidFill>
+              </a:rPr>
+              <a:t> // </a:t>
+            </a:r>
+            <a:r>
+              <a:rPr lang="ko-KR" altLang="en-US" dirty="0" smtClean="0">
+                <a:solidFill>
+                  <a:schemeClr val="bg1"/>
+                </a:solidFill>
+              </a:rPr>
+              <a:t>갓 메모장</a:t>
+            </a:r>
+            <a:r>
+              <a:rPr lang="en-US" altLang="ko-KR" dirty="0" smtClean="0">
+                <a:solidFill>
+                  <a:schemeClr val="bg1"/>
+                </a:solidFill>
+              </a:rPr>
+              <a:t>!! </a:t>
+            </a:r>
+            <a:r>
+              <a:rPr lang="ko-KR" altLang="en-US" dirty="0" smtClean="0">
+                <a:solidFill>
+                  <a:schemeClr val="bg1"/>
+                </a:solidFill>
+              </a:rPr>
+              <a:t>메모장 찬양하라 </a:t>
+            </a:r>
+            <a:r>
+              <a:rPr lang="en-US" altLang="ko-KR" dirty="0" smtClean="0">
+                <a:solidFill>
+                  <a:schemeClr val="bg1"/>
+                </a:solidFill>
+              </a:rPr>
+              <a:t>!! </a:t>
+            </a:r>
+            <a:r>
+              <a:rPr lang="ko-KR" altLang="en-US" dirty="0" smtClean="0">
+                <a:solidFill>
+                  <a:schemeClr val="bg1"/>
+                </a:solidFill>
+              </a:rPr>
+              <a:t>메모장 사마 </a:t>
+            </a:r>
+            <a:r>
+              <a:rPr lang="ko-KR" altLang="en-US" dirty="0" err="1" smtClean="0">
+                <a:solidFill>
+                  <a:schemeClr val="bg1"/>
+                </a:solidFill>
+              </a:rPr>
+              <a:t>핰핰</a:t>
+            </a:r>
+            <a:endParaRPr lang="en-US" altLang="ko-KR" dirty="0" smtClean="0">
+              <a:solidFill>
+                <a:schemeClr val="bg1"/>
+              </a:solidFill>
+            </a:endParaRPr>
+          </a:p>
+          <a:p>
+            <a:endParaRPr lang="en-US" altLang="ko-KR" dirty="0">
+              <a:solidFill>
+                <a:schemeClr val="bg1"/>
+              </a:solidFill>
+            </a:endParaRPr>
+          </a:p>
+          <a:p>
+            <a:pPr marL="457200" indent="-457200">
+              <a:buFont typeface="Arial" panose="020B0604020202020204" pitchFamily="34" charset="0"/>
+              <a:buChar char="•"/>
+            </a:pPr>
+            <a:r>
+              <a:rPr lang="en-US" altLang="ko-KR" dirty="0" smtClean="0"/>
+              <a:t>Eclipse (</a:t>
+            </a:r>
+            <a:r>
+              <a:rPr lang="ko-KR" altLang="en-US" dirty="0" err="1" smtClean="0"/>
+              <a:t>이클립스</a:t>
+            </a:r>
+            <a:r>
+              <a:rPr lang="en-US" altLang="ko-KR" dirty="0" smtClean="0"/>
+              <a:t>)</a:t>
+            </a:r>
+          </a:p>
+          <a:p>
+            <a:pPr marL="457200" indent="-457200">
+              <a:buFont typeface="Arial" panose="020B0604020202020204" pitchFamily="34" charset="0"/>
+              <a:buChar char="•"/>
+            </a:pPr>
+            <a:endParaRPr lang="en-US" altLang="ko-KR" dirty="0"/>
+          </a:p>
+          <a:p>
+            <a:pPr marL="457200" indent="-457200">
+              <a:buFont typeface="Arial" panose="020B0604020202020204" pitchFamily="34" charset="0"/>
+              <a:buChar char="•"/>
+            </a:pPr>
+            <a:r>
+              <a:rPr lang="en-US" altLang="ko-KR" dirty="0" err="1" smtClean="0"/>
+              <a:t>Intelli</a:t>
+            </a:r>
+            <a:r>
+              <a:rPr lang="en-US" altLang="ko-KR" dirty="0" smtClean="0"/>
+              <a:t> J (</a:t>
+            </a:r>
+            <a:r>
+              <a:rPr lang="ko-KR" altLang="en-US" dirty="0" smtClean="0"/>
+              <a:t>인텔리 제이</a:t>
+            </a:r>
+            <a:r>
+              <a:rPr lang="en-US" altLang="ko-KR" dirty="0" smtClean="0"/>
+              <a:t>)</a:t>
+            </a:r>
+          </a:p>
+          <a:p>
+            <a:pPr marL="457200" indent="-457200">
+              <a:buFont typeface="Arial" panose="020B0604020202020204" pitchFamily="34" charset="0"/>
+              <a:buChar char="•"/>
+            </a:pPr>
+            <a:endParaRPr lang="en-US" altLang="ko-KR" dirty="0"/>
+          </a:p>
+          <a:p>
+            <a:pPr marL="457200" indent="-457200">
+              <a:buFont typeface="Arial" panose="020B0604020202020204" pitchFamily="34" charset="0"/>
+              <a:buChar char="•"/>
+            </a:pPr>
+            <a:r>
+              <a:rPr lang="ko-KR" altLang="en-US" dirty="0" smtClean="0"/>
+              <a:t>등등</a:t>
+            </a:r>
+            <a:endParaRPr lang="en-US" altLang="ko-KR" dirty="0" smtClean="0"/>
+          </a:p>
+        </p:txBody>
+      </p:sp>
+    </p:spTree>
+    <p:extLst>
+      <p:ext uri="{BB962C8B-B14F-4D97-AF65-F5344CB8AC3E}">
+        <p14:creationId xmlns:p14="http://schemas.microsoft.com/office/powerpoint/2010/main" val="2760588670"/>
+      </p:ext>
+    </p:extLst>
+  </p:cSld>
+  <p:clrMapOvr>
+    <a:masterClrMapping/>
+  </p:clrMapOvr>
+  <p:timing>
+    <p:tnLst>
+      <p:par>
+        <p:cTn id="1" dur="indefinite" restart="never" nodeType="tmRoot"/>
+      </p:par>
+    </p:tnLst>
+  </p:timing>
+</p:sld>
+</file>
+
+<file path=ppt/slides/slide8.xml><?xml version="1.0" encoding="utf-8"?>
+<p:sld xmlns:a="http://schemas.openxmlformats.org/drawingml/2006/main" xmlns:r="http://schemas.openxmlformats.org/officeDocument/2006/relationships" xmlns:p="http://schemas.openxmlformats.org/presentationml/2006/main">
+  <p:cSld>
+    <p:spTree>
+      <p:nvGrpSpPr>
+        <p:cNvPr id="1" name=""/>
+        <p:cNvGrpSpPr/>
+        <p:nvPr/>
+      </p:nvGrpSpPr>
+      <p:grpSpPr>
+        <a:xfrm>
+          <a:off x="0" y="0"/>
+          <a:ext cx="0" cy="0"/>
+          <a:chOff x="0" y="0"/>
+          <a:chExt cx="0" cy="0"/>
+        </a:xfrm>
+      </p:grpSpPr>
+      <p:sp>
+        <p:nvSpPr>
+          <p:cNvPr id="2" name="제목 1"/>
+          <p:cNvSpPr>
+            <a:spLocks noGrp="1"/>
+          </p:cNvSpPr>
+          <p:nvPr>
+            <p:ph type="title"/>
+          </p:nvPr>
+        </p:nvSpPr>
+        <p:spPr/>
+        <p:txBody>
+          <a:bodyPr>
+            <a:normAutofit/>
+          </a:bodyPr>
+          <a:lstStyle/>
+          <a:p>
+            <a:r>
+              <a:rPr lang="ko-KR" altLang="en-US" dirty="0" smtClean="0"/>
+              <a:t>개발환경</a:t>
+            </a:r>
+            <a:endParaRPr lang="ko-KR" altLang="en-US" sz="3200" dirty="0"/>
+          </a:p>
+        </p:txBody>
+      </p:sp>
+      <p:sp>
+        <p:nvSpPr>
+          <p:cNvPr id="3" name="내용 개체 틀 2"/>
+          <p:cNvSpPr>
+            <a:spLocks noGrp="1"/>
+          </p:cNvSpPr>
+          <p:nvPr>
+            <p:ph idx="1"/>
+          </p:nvPr>
+        </p:nvSpPr>
+        <p:spPr/>
+        <p:txBody>
+          <a:bodyPr anchor="ctr">
+            <a:noAutofit/>
+          </a:bodyPr>
+          <a:lstStyle/>
+          <a:p>
+            <a:pPr algn="ctr"/>
+            <a:r>
+              <a:rPr lang="ko-KR" altLang="en-US" sz="4400" b="1" dirty="0" smtClean="0"/>
+              <a:t>결론 </a:t>
+            </a:r>
+            <a:r>
+              <a:rPr lang="en-US" altLang="ko-KR" sz="4400" b="1" dirty="0" smtClean="0"/>
+              <a:t>: </a:t>
+            </a:r>
+            <a:r>
+              <a:rPr lang="ko-KR" altLang="en-US" sz="4400" b="1" dirty="0" smtClean="0"/>
+              <a:t>우리는 메모장을 사용한다</a:t>
+            </a:r>
+            <a:r>
+              <a:rPr lang="en-US" altLang="ko-KR" sz="4400" b="1" dirty="0" smtClean="0"/>
+              <a:t>.</a:t>
+            </a:r>
+            <a:endParaRPr lang="en-US" altLang="ko-KR" sz="2000" dirty="0" smtClean="0"/>
+          </a:p>
+        </p:txBody>
+      </p:sp>
+    </p:spTree>
+    <p:extLst>
+      <p:ext uri="{BB962C8B-B14F-4D97-AF65-F5344CB8AC3E}">
+        <p14:creationId xmlns:p14="http://schemas.microsoft.com/office/powerpoint/2010/main" val="1617498464"/>
+      </p:ext>
+    </p:extLst>
+  </p:cSld>
+  <p:clrMapOvr>
+    <a:masterClrMapping/>
+  </p:clrMapOvr>
+  <p:timing>
+    <p:tnLst>
+      <p:par>
+        <p:cTn id="1" dur="indefinite" restart="never" nodeType="tmRoot"/>
+      </p:par>
+    </p:tnLst>
+  </p:timing>
+</p:sld>
+</file>
+
+<file path=ppt/slides/slide9.xml><?xml version="1.0" encoding="utf-8"?>
+<p:sld xmlns:a="http://schemas.openxmlformats.org/drawingml/2006/main" xmlns:r="http://schemas.openxmlformats.org/officeDocument/2006/relationships" xmlns:p="http://schemas.openxmlformats.org/presentationml/2006/main">
+  <p:cSld>
+    <p:spTree>
+      <p:nvGrpSpPr>
+        <p:cNvPr id="1" name=""/>
+        <p:cNvGrpSpPr/>
+        <p:nvPr/>
+      </p:nvGrpSpPr>
+      <p:grpSpPr>
+        <a:xfrm>
+          <a:off x="0" y="0"/>
+          <a:ext cx="0" cy="0"/>
+          <a:chOff x="0" y="0"/>
+          <a:chExt cx="0" cy="0"/>
+        </a:xfrm>
+      </p:grpSpPr>
+      <p:sp>
+        <p:nvSpPr>
+          <p:cNvPr id="2" name="제목 1"/>
+          <p:cNvSpPr>
+            <a:spLocks noGrp="1"/>
+          </p:cNvSpPr>
+          <p:nvPr>
+            <p:ph type="title"/>
+          </p:nvPr>
+        </p:nvSpPr>
+        <p:spPr/>
+        <p:txBody>
+          <a:bodyPr>
+            <a:normAutofit/>
+          </a:bodyPr>
+          <a:lstStyle/>
+          <a:p>
+            <a:r>
+              <a:rPr lang="ko-KR" altLang="en-US" sz="3200" dirty="0" smtClean="0"/>
+              <a:t>실습</a:t>
+            </a:r>
+            <a:endParaRPr lang="ko-KR" altLang="en-US" sz="3200" dirty="0"/>
+          </a:p>
+        </p:txBody>
+      </p:sp>
+      <p:sp>
+        <p:nvSpPr>
+          <p:cNvPr id="3" name="내용 개체 틀 2"/>
+          <p:cNvSpPr>
+            <a:spLocks noGrp="1"/>
+          </p:cNvSpPr>
+          <p:nvPr>
+            <p:ph idx="1"/>
+          </p:nvPr>
+        </p:nvSpPr>
+        <p:spPr>
+          <a:xfrm>
+            <a:off x="628650" y="1667898"/>
+            <a:ext cx="7886700" cy="4706773"/>
+          </a:xfrm>
+        </p:spPr>
+        <p:txBody>
+          <a:bodyPr anchor="ctr">
+            <a:noAutofit/>
+          </a:bodyPr>
+          <a:lstStyle/>
+          <a:p>
+            <a:r>
+              <a:rPr lang="en-US" altLang="ko-KR" sz="2400" dirty="0" smtClean="0">
+                <a:solidFill>
+                  <a:schemeClr val="bg1"/>
+                </a:solidFill>
+              </a:rPr>
+              <a:t>#include &lt;</a:t>
+            </a:r>
+            <a:r>
+              <a:rPr lang="en-US" altLang="ko-KR" sz="2400" dirty="0" err="1" smtClean="0">
+                <a:solidFill>
+                  <a:schemeClr val="bg1"/>
+                </a:solidFill>
+              </a:rPr>
+              <a:t>stdio.h</a:t>
+            </a:r>
+            <a:r>
+              <a:rPr lang="en-US" altLang="ko-KR" sz="2400" dirty="0" smtClean="0">
+                <a:solidFill>
+                  <a:schemeClr val="bg1"/>
+                </a:solidFill>
+              </a:rPr>
+              <a:t>&gt;</a:t>
+            </a:r>
+          </a:p>
+          <a:p>
+            <a:r>
+              <a:rPr lang="en-US" altLang="ko-KR" sz="2400" dirty="0" err="1" smtClean="0">
+                <a:solidFill>
+                  <a:schemeClr val="bg1"/>
+                </a:solidFill>
+              </a:rPr>
+              <a:t>Int</a:t>
+            </a:r>
+            <a:r>
+              <a:rPr lang="en-US" altLang="ko-KR" sz="2400" dirty="0" smtClean="0">
+                <a:solidFill>
+                  <a:schemeClr val="bg1"/>
+                </a:solidFill>
+              </a:rPr>
+              <a:t> main()</a:t>
+            </a:r>
+          </a:p>
+          <a:p>
+            <a:r>
+              <a:rPr lang="en-US" altLang="ko-KR" sz="2400" dirty="0" smtClean="0">
+                <a:solidFill>
+                  <a:schemeClr val="bg1"/>
+                </a:solidFill>
+              </a:rPr>
+              <a:t>{</a:t>
+            </a:r>
+          </a:p>
+          <a:p>
+            <a:r>
+              <a:rPr lang="en-US" altLang="ko-KR" sz="2400" dirty="0">
+                <a:solidFill>
+                  <a:schemeClr val="bg1"/>
+                </a:solidFill>
+              </a:rPr>
+              <a:t>	</a:t>
+            </a:r>
+            <a:r>
+              <a:rPr lang="en-US" altLang="ko-KR" sz="2400" dirty="0" err="1" smtClean="0">
+                <a:solidFill>
+                  <a:schemeClr val="bg1"/>
+                </a:solidFill>
+              </a:rPr>
+              <a:t>printf</a:t>
+            </a:r>
+            <a:r>
+              <a:rPr lang="en-US" altLang="ko-KR" sz="2400" dirty="0" smtClean="0">
+                <a:solidFill>
+                  <a:schemeClr val="bg1"/>
+                </a:solidFill>
+              </a:rPr>
+              <a:t>(“Hello World”);</a:t>
+            </a:r>
+          </a:p>
+          <a:p>
+            <a:r>
+              <a:rPr lang="en-US" altLang="ko-KR" sz="2400" dirty="0" smtClean="0">
+                <a:solidFill>
+                  <a:schemeClr val="bg1"/>
+                </a:solidFill>
+              </a:rPr>
+              <a:t>}</a:t>
+            </a:r>
+          </a:p>
+          <a:p>
+            <a:endParaRPr lang="en-US" altLang="ko-KR" sz="2400" dirty="0"/>
+          </a:p>
+          <a:p>
+            <a:r>
+              <a:rPr lang="en-US" altLang="ko-KR" sz="2400" dirty="0" smtClean="0"/>
+              <a:t>public class Exam01 {</a:t>
+            </a:r>
+          </a:p>
+          <a:p>
+            <a:r>
+              <a:rPr lang="en-US" altLang="ko-KR" sz="2400" dirty="0"/>
+              <a:t>	</a:t>
+            </a:r>
+            <a:r>
+              <a:rPr lang="en-US" altLang="ko-KR" sz="2400" dirty="0" smtClean="0"/>
+              <a:t>public static void main(String </a:t>
+            </a:r>
+            <a:r>
+              <a:rPr lang="en-US" altLang="ko-KR" sz="2400" dirty="0" err="1" smtClean="0"/>
+              <a:t>args</a:t>
+            </a:r>
+            <a:r>
+              <a:rPr lang="en-US" altLang="ko-KR" sz="2400" dirty="0" smtClean="0"/>
+              <a:t>[]) {</a:t>
+            </a:r>
+          </a:p>
+          <a:p>
+            <a:r>
+              <a:rPr lang="en-US" altLang="ko-KR" sz="2400" dirty="0"/>
+              <a:t>	</a:t>
+            </a:r>
+            <a:r>
+              <a:rPr lang="en-US" altLang="ko-KR" sz="2400" dirty="0" smtClean="0"/>
+              <a:t>	</a:t>
+            </a:r>
+            <a:r>
+              <a:rPr lang="en-US" altLang="ko-KR" sz="2400" dirty="0" err="1" smtClean="0"/>
+              <a:t>System.out.print</a:t>
+            </a:r>
+            <a:r>
+              <a:rPr lang="en-US" altLang="ko-KR" sz="2400" dirty="0" smtClean="0"/>
+              <a:t>(“Hello World”);</a:t>
+            </a:r>
+          </a:p>
+          <a:p>
+            <a:r>
+              <a:rPr lang="en-US" altLang="ko-KR" sz="2400" dirty="0" smtClean="0"/>
+              <a:t>	}</a:t>
+            </a:r>
+          </a:p>
+          <a:p>
+            <a:r>
+              <a:rPr lang="en-US" altLang="ko-KR" sz="2400" dirty="0"/>
+              <a:t>}</a:t>
+            </a:r>
+          </a:p>
+        </p:txBody>
+      </p:sp>
+    </p:spTree>
+    <p:extLst>
+      <p:ext uri="{BB962C8B-B14F-4D97-AF65-F5344CB8AC3E}">
+        <p14:creationId xmlns:p14="http://schemas.microsoft.com/office/powerpoint/2010/main" val="4217458879"/>
+      </p:ext>
+    </p:extLst>
+  </p:cSld>
+  <p:clrMapOvr>
+    <a:masterClrMapping/>
+  </p:clrMapOvr>
   <p:timing>
     <p:tnLst>
       <p:par>
